--- a/progress report pictures.pptx
+++ b/progress report pictures.pptx
@@ -8,6 +8,7 @@
     <p:sldId id="256" r:id="rId2"/>
     <p:sldId id="257" r:id="rId3"/>
     <p:sldId id="258" r:id="rId4"/>
+    <p:sldId id="259" r:id="rId5"/>
   </p:sldIdLst>
   <p:sldSz cx="9144000" cy="6858000" type="screen4x3"/>
   <p:notesSz cx="6858000" cy="9144000"/>
@@ -290,7 +291,8 @@
           <a:p>
             <a:fld id="{9E9539F7-F31E-4C83-8E23-6A4D8A663BCC}" type="datetimeFigureOut">
               <a:rPr lang="en-CA" smtClean="0"/>
-              <a:t>2017-08-30</a:t>
+              <a:pPr/>
+              <a:t>2017-08-31</a:t>
             </a:fld>
             <a:endParaRPr lang="en-CA"/>
           </a:p>
@@ -332,6 +334,7 @@
           <a:p>
             <a:fld id="{32504DB0-B8E2-4205-A15A-DE28B48156FA}" type="slidenum">
               <a:rPr lang="en-CA" smtClean="0"/>
+              <a:pPr/>
               <a:t>‹#›</a:t>
             </a:fld>
             <a:endParaRPr lang="en-CA"/>
@@ -455,7 +458,8 @@
           <a:p>
             <a:fld id="{9E9539F7-F31E-4C83-8E23-6A4D8A663BCC}" type="datetimeFigureOut">
               <a:rPr lang="en-CA" smtClean="0"/>
-              <a:t>2017-08-30</a:t>
+              <a:pPr/>
+              <a:t>2017-08-31</a:t>
             </a:fld>
             <a:endParaRPr lang="en-CA"/>
           </a:p>
@@ -497,6 +501,7 @@
           <a:p>
             <a:fld id="{32504DB0-B8E2-4205-A15A-DE28B48156FA}" type="slidenum">
               <a:rPr lang="en-CA" smtClean="0"/>
+              <a:pPr/>
               <a:t>‹#›</a:t>
             </a:fld>
             <a:endParaRPr lang="en-CA"/>
@@ -630,7 +635,8 @@
           <a:p>
             <a:fld id="{9E9539F7-F31E-4C83-8E23-6A4D8A663BCC}" type="datetimeFigureOut">
               <a:rPr lang="en-CA" smtClean="0"/>
-              <a:t>2017-08-30</a:t>
+              <a:pPr/>
+              <a:t>2017-08-31</a:t>
             </a:fld>
             <a:endParaRPr lang="en-CA"/>
           </a:p>
@@ -672,6 +678,7 @@
           <a:p>
             <a:fld id="{32504DB0-B8E2-4205-A15A-DE28B48156FA}" type="slidenum">
               <a:rPr lang="en-CA" smtClean="0"/>
+              <a:pPr/>
               <a:t>‹#›</a:t>
             </a:fld>
             <a:endParaRPr lang="en-CA"/>
@@ -795,7 +802,8 @@
           <a:p>
             <a:fld id="{9E9539F7-F31E-4C83-8E23-6A4D8A663BCC}" type="datetimeFigureOut">
               <a:rPr lang="en-CA" smtClean="0"/>
-              <a:t>2017-08-30</a:t>
+              <a:pPr/>
+              <a:t>2017-08-31</a:t>
             </a:fld>
             <a:endParaRPr lang="en-CA"/>
           </a:p>
@@ -837,6 +845,7 @@
           <a:p>
             <a:fld id="{32504DB0-B8E2-4205-A15A-DE28B48156FA}" type="slidenum">
               <a:rPr lang="en-CA" smtClean="0"/>
+              <a:pPr/>
               <a:t>‹#›</a:t>
             </a:fld>
             <a:endParaRPr lang="en-CA"/>
@@ -1036,7 +1045,8 @@
           <a:p>
             <a:fld id="{9E9539F7-F31E-4C83-8E23-6A4D8A663BCC}" type="datetimeFigureOut">
               <a:rPr lang="en-CA" smtClean="0"/>
-              <a:t>2017-08-30</a:t>
+              <a:pPr/>
+              <a:t>2017-08-31</a:t>
             </a:fld>
             <a:endParaRPr lang="en-CA"/>
           </a:p>
@@ -1078,6 +1088,7 @@
           <a:p>
             <a:fld id="{32504DB0-B8E2-4205-A15A-DE28B48156FA}" type="slidenum">
               <a:rPr lang="en-CA" smtClean="0"/>
+              <a:pPr/>
               <a:t>‹#›</a:t>
             </a:fld>
             <a:endParaRPr lang="en-CA"/>
@@ -1319,7 +1330,8 @@
           <a:p>
             <a:fld id="{9E9539F7-F31E-4C83-8E23-6A4D8A663BCC}" type="datetimeFigureOut">
               <a:rPr lang="en-CA" smtClean="0"/>
-              <a:t>2017-08-30</a:t>
+              <a:pPr/>
+              <a:t>2017-08-31</a:t>
             </a:fld>
             <a:endParaRPr lang="en-CA"/>
           </a:p>
@@ -1361,6 +1373,7 @@
           <a:p>
             <a:fld id="{32504DB0-B8E2-4205-A15A-DE28B48156FA}" type="slidenum">
               <a:rPr lang="en-CA" smtClean="0"/>
+              <a:pPr/>
               <a:t>‹#›</a:t>
             </a:fld>
             <a:endParaRPr lang="en-CA"/>
@@ -1736,7 +1749,8 @@
           <a:p>
             <a:fld id="{9E9539F7-F31E-4C83-8E23-6A4D8A663BCC}" type="datetimeFigureOut">
               <a:rPr lang="en-CA" smtClean="0"/>
-              <a:t>2017-08-30</a:t>
+              <a:pPr/>
+              <a:t>2017-08-31</a:t>
             </a:fld>
             <a:endParaRPr lang="en-CA"/>
           </a:p>
@@ -1778,6 +1792,7 @@
           <a:p>
             <a:fld id="{32504DB0-B8E2-4205-A15A-DE28B48156FA}" type="slidenum">
               <a:rPr lang="en-CA" smtClean="0"/>
+              <a:pPr/>
               <a:t>‹#›</a:t>
             </a:fld>
             <a:endParaRPr lang="en-CA"/>
@@ -1849,7 +1864,8 @@
           <a:p>
             <a:fld id="{9E9539F7-F31E-4C83-8E23-6A4D8A663BCC}" type="datetimeFigureOut">
               <a:rPr lang="en-CA" smtClean="0"/>
-              <a:t>2017-08-30</a:t>
+              <a:pPr/>
+              <a:t>2017-08-31</a:t>
             </a:fld>
             <a:endParaRPr lang="en-CA"/>
           </a:p>
@@ -1891,6 +1907,7 @@
           <a:p>
             <a:fld id="{32504DB0-B8E2-4205-A15A-DE28B48156FA}" type="slidenum">
               <a:rPr lang="en-CA" smtClean="0"/>
+              <a:pPr/>
               <a:t>‹#›</a:t>
             </a:fld>
             <a:endParaRPr lang="en-CA"/>
@@ -1939,7 +1956,8 @@
           <a:p>
             <a:fld id="{9E9539F7-F31E-4C83-8E23-6A4D8A663BCC}" type="datetimeFigureOut">
               <a:rPr lang="en-CA" smtClean="0"/>
-              <a:t>2017-08-30</a:t>
+              <a:pPr/>
+              <a:t>2017-08-31</a:t>
             </a:fld>
             <a:endParaRPr lang="en-CA"/>
           </a:p>
@@ -1981,6 +1999,7 @@
           <a:p>
             <a:fld id="{32504DB0-B8E2-4205-A15A-DE28B48156FA}" type="slidenum">
               <a:rPr lang="en-CA" smtClean="0"/>
+              <a:pPr/>
               <a:t>‹#›</a:t>
             </a:fld>
             <a:endParaRPr lang="en-CA"/>
@@ -2211,7 +2230,8 @@
           <a:p>
             <a:fld id="{9E9539F7-F31E-4C83-8E23-6A4D8A663BCC}" type="datetimeFigureOut">
               <a:rPr lang="en-CA" smtClean="0"/>
-              <a:t>2017-08-30</a:t>
+              <a:pPr/>
+              <a:t>2017-08-31</a:t>
             </a:fld>
             <a:endParaRPr lang="en-CA"/>
           </a:p>
@@ -2253,6 +2273,7 @@
           <a:p>
             <a:fld id="{32504DB0-B8E2-4205-A15A-DE28B48156FA}" type="slidenum">
               <a:rPr lang="en-CA" smtClean="0"/>
+              <a:pPr/>
               <a:t>‹#›</a:t>
             </a:fld>
             <a:endParaRPr lang="en-CA"/>
@@ -2459,7 +2480,8 @@
           <a:p>
             <a:fld id="{9E9539F7-F31E-4C83-8E23-6A4D8A663BCC}" type="datetimeFigureOut">
               <a:rPr lang="en-CA" smtClean="0"/>
-              <a:t>2017-08-30</a:t>
+              <a:pPr/>
+              <a:t>2017-08-31</a:t>
             </a:fld>
             <a:endParaRPr lang="en-CA"/>
           </a:p>
@@ -2501,6 +2523,7 @@
           <a:p>
             <a:fld id="{32504DB0-B8E2-4205-A15A-DE28B48156FA}" type="slidenum">
               <a:rPr lang="en-CA" smtClean="0"/>
+              <a:pPr/>
               <a:t>‹#›</a:t>
             </a:fld>
             <a:endParaRPr lang="en-CA"/>
@@ -2667,7 +2690,8 @@
           <a:p>
             <a:fld id="{9E9539F7-F31E-4C83-8E23-6A4D8A663BCC}" type="datetimeFigureOut">
               <a:rPr lang="en-CA" smtClean="0"/>
-              <a:t>2017-08-30</a:t>
+              <a:pPr/>
+              <a:t>2017-08-31</a:t>
             </a:fld>
             <a:endParaRPr lang="en-CA"/>
           </a:p>
@@ -2745,6 +2769,7 @@
           <a:p>
             <a:fld id="{32504DB0-B8E2-4205-A15A-DE28B48156FA}" type="slidenum">
               <a:rPr lang="en-CA" smtClean="0"/>
+              <a:pPr/>
               <a:t>‹#›</a:t>
             </a:fld>
             <a:endParaRPr lang="en-CA"/>
@@ -3296,6 +3321,68 @@
             <a:headEnd/>
             <a:tailEnd/>
           </a:ln>
+        </p:spPr>
+      </p:pic>
+    </p:spTree>
+  </p:cSld>
+  <p:clrMapOvr>
+    <a:masterClrMapping/>
+  </p:clrMapOvr>
+</p:sld>
+</file>
+
+<file path=ppt/slides/slide4.xml><?xml version="1.0" encoding="utf-8"?>
+<p:sld xmlns:a="http://schemas.openxmlformats.org/drawingml/2006/main" xmlns:r="http://schemas.openxmlformats.org/officeDocument/2006/relationships" xmlns:p="http://schemas.openxmlformats.org/presentationml/2006/main">
+  <p:cSld>
+    <p:spTree>
+      <p:nvGrpSpPr>
+        <p:cNvPr id="1" name=""/>
+        <p:cNvGrpSpPr/>
+        <p:nvPr/>
+      </p:nvGrpSpPr>
+      <p:grpSpPr>
+        <a:xfrm>
+          <a:off x="0" y="0"/>
+          <a:ext cx="0" cy="0"/>
+          <a:chOff x="0" y="0"/>
+          <a:chExt cx="0" cy="0"/>
+        </a:xfrm>
+      </p:grpSpPr>
+      <p:pic>
+        <p:nvPicPr>
+          <p:cNvPr id="2" name="Picture 1" descr="C:\Users\arushri swarup\Documents\endoscope and tool videos Apr-2017\19-apr-2017\IMG_3727.JPG"/>
+          <p:cNvPicPr/>
+          <p:nvPr/>
+        </p:nvPicPr>
+        <p:blipFill>
+          <a:blip r:embed="rId2" cstate="print"/>
+          <a:srcRect t="43539" r="1539" b="35461"/>
+          <a:stretch>
+            <a:fillRect/>
+          </a:stretch>
+        </p:blipFill>
+        <p:spPr bwMode="auto">
+          <a:xfrm>
+            <a:off x="1600200" y="3140968"/>
+            <a:ext cx="5852120" cy="936104"/>
+          </a:xfrm>
+          <a:prstGeom prst="rect">
+            <a:avLst/>
+          </a:prstGeom>
+          <a:noFill/>
+          <a:ln w="9525">
+            <a:noFill/>
+            <a:miter lim="800000"/>
+            <a:headEnd/>
+            <a:tailEnd/>
+          </a:ln>
+          <a:effectLst>
+            <a:outerShdw blurRad="50800" dist="50800" dir="5400000" algn="ctr" rotWithShape="0">
+              <a:srgbClr val="000000">
+                <a:alpha val="48000"/>
+              </a:srgbClr>
+            </a:outerShdw>
+          </a:effectLst>
         </p:spPr>
       </p:pic>
     </p:spTree>

--- a/progress report pictures.pptx
+++ b/progress report pictures.pptx
@@ -6,9 +6,10 @@
   </p:sldMasterIdLst>
   <p:sldIdLst>
     <p:sldId id="256" r:id="rId2"/>
-    <p:sldId id="257" r:id="rId3"/>
-    <p:sldId id="258" r:id="rId4"/>
-    <p:sldId id="259" r:id="rId5"/>
+    <p:sldId id="259" r:id="rId3"/>
+    <p:sldId id="257" r:id="rId4"/>
+    <p:sldId id="258" r:id="rId5"/>
+    <p:sldId id="260" r:id="rId6"/>
   </p:sldIdLst>
   <p:sldSz cx="9144000" cy="6858000" type="screen4x3"/>
   <p:notesSz cx="6858000" cy="9144000"/>
@@ -107,6 +108,22 @@
       </a:defRPr>
     </a:lvl9pPr>
   </p:defaultTextStyle>
+  <p:extLst>
+    <p:ext uri="{EFAFB233-063F-42B5-8137-9DF3F51BA10A}">
+      <p15:sldGuideLst xmlns:p15="http://schemas.microsoft.com/office/powerpoint/2012/main">
+        <p15:guide id="1" orient="horz" pos="2160">
+          <p15:clr>
+            <a:srgbClr val="A4A3A4"/>
+          </p15:clr>
+        </p15:guide>
+        <p15:guide id="2" pos="2880">
+          <p15:clr>
+            <a:srgbClr val="A4A3A4"/>
+          </p15:clr>
+        </p15:guide>
+      </p15:sldGuideLst>
+    </p:ext>
+  </p:extLst>
 </p:presentation>
 </file>
 
@@ -292,7 +309,7 @@
             <a:fld id="{9E9539F7-F31E-4C83-8E23-6A4D8A663BCC}" type="datetimeFigureOut">
               <a:rPr lang="en-CA" smtClean="0"/>
               <a:pPr/>
-              <a:t>2017-08-31</a:t>
+              <a:t>2017-09-12</a:t>
             </a:fld>
             <a:endParaRPr lang="en-CA"/>
           </a:p>
@@ -459,7 +476,7 @@
             <a:fld id="{9E9539F7-F31E-4C83-8E23-6A4D8A663BCC}" type="datetimeFigureOut">
               <a:rPr lang="en-CA" smtClean="0"/>
               <a:pPr/>
-              <a:t>2017-08-31</a:t>
+              <a:t>2017-09-12</a:t>
             </a:fld>
             <a:endParaRPr lang="en-CA"/>
           </a:p>
@@ -636,7 +653,7 @@
             <a:fld id="{9E9539F7-F31E-4C83-8E23-6A4D8A663BCC}" type="datetimeFigureOut">
               <a:rPr lang="en-CA" smtClean="0"/>
               <a:pPr/>
-              <a:t>2017-08-31</a:t>
+              <a:t>2017-09-12</a:t>
             </a:fld>
             <a:endParaRPr lang="en-CA"/>
           </a:p>
@@ -803,7 +820,7 @@
             <a:fld id="{9E9539F7-F31E-4C83-8E23-6A4D8A663BCC}" type="datetimeFigureOut">
               <a:rPr lang="en-CA" smtClean="0"/>
               <a:pPr/>
-              <a:t>2017-08-31</a:t>
+              <a:t>2017-09-12</a:t>
             </a:fld>
             <a:endParaRPr lang="en-CA"/>
           </a:p>
@@ -1046,7 +1063,7 @@
             <a:fld id="{9E9539F7-F31E-4C83-8E23-6A4D8A663BCC}" type="datetimeFigureOut">
               <a:rPr lang="en-CA" smtClean="0"/>
               <a:pPr/>
-              <a:t>2017-08-31</a:t>
+              <a:t>2017-09-12</a:t>
             </a:fld>
             <a:endParaRPr lang="en-CA"/>
           </a:p>
@@ -1331,7 +1348,7 @@
             <a:fld id="{9E9539F7-F31E-4C83-8E23-6A4D8A663BCC}" type="datetimeFigureOut">
               <a:rPr lang="en-CA" smtClean="0"/>
               <a:pPr/>
-              <a:t>2017-08-31</a:t>
+              <a:t>2017-09-12</a:t>
             </a:fld>
             <a:endParaRPr lang="en-CA"/>
           </a:p>
@@ -1750,7 +1767,7 @@
             <a:fld id="{9E9539F7-F31E-4C83-8E23-6A4D8A663BCC}" type="datetimeFigureOut">
               <a:rPr lang="en-CA" smtClean="0"/>
               <a:pPr/>
-              <a:t>2017-08-31</a:t>
+              <a:t>2017-09-12</a:t>
             </a:fld>
             <a:endParaRPr lang="en-CA"/>
           </a:p>
@@ -1865,7 +1882,7 @@
             <a:fld id="{9E9539F7-F31E-4C83-8E23-6A4D8A663BCC}" type="datetimeFigureOut">
               <a:rPr lang="en-CA" smtClean="0"/>
               <a:pPr/>
-              <a:t>2017-08-31</a:t>
+              <a:t>2017-09-12</a:t>
             </a:fld>
             <a:endParaRPr lang="en-CA"/>
           </a:p>
@@ -1957,7 +1974,7 @@
             <a:fld id="{9E9539F7-F31E-4C83-8E23-6A4D8A663BCC}" type="datetimeFigureOut">
               <a:rPr lang="en-CA" smtClean="0"/>
               <a:pPr/>
-              <a:t>2017-08-31</a:t>
+              <a:t>2017-09-12</a:t>
             </a:fld>
             <a:endParaRPr lang="en-CA"/>
           </a:p>
@@ -2231,7 +2248,7 @@
             <a:fld id="{9E9539F7-F31E-4C83-8E23-6A4D8A663BCC}" type="datetimeFigureOut">
               <a:rPr lang="en-CA" smtClean="0"/>
               <a:pPr/>
-              <a:t>2017-08-31</a:t>
+              <a:t>2017-09-12</a:t>
             </a:fld>
             <a:endParaRPr lang="en-CA"/>
           </a:p>
@@ -2481,7 +2498,7 @@
             <a:fld id="{9E9539F7-F31E-4C83-8E23-6A4D8A663BCC}" type="datetimeFigureOut">
               <a:rPr lang="en-CA" smtClean="0"/>
               <a:pPr/>
-              <a:t>2017-08-31</a:t>
+              <a:t>2017-09-12</a:t>
             </a:fld>
             <a:endParaRPr lang="en-CA"/>
           </a:p>
@@ -2691,7 +2708,7 @@
             <a:fld id="{9E9539F7-F31E-4C83-8E23-6A4D8A663BCC}" type="datetimeFigureOut">
               <a:rPr lang="en-CA" smtClean="0"/>
               <a:pPr/>
-              <a:t>2017-08-31</a:t>
+              <a:t>2017-09-12</a:t>
             </a:fld>
             <a:endParaRPr lang="en-CA"/>
           </a:p>
@@ -3125,6 +3142,533 @@
           <a:chExt cx="0" cy="0"/>
         </a:xfrm>
       </p:grpSpPr>
+      <p:sp>
+        <p:nvSpPr>
+          <p:cNvPr id="3" name="TextBox 2"/>
+          <p:cNvSpPr txBox="1"/>
+          <p:nvPr/>
+        </p:nvSpPr>
+        <p:spPr>
+          <a:xfrm>
+            <a:off x="1403648" y="2204864"/>
+            <a:ext cx="5832648" cy="1754326"/>
+          </a:xfrm>
+          <a:prstGeom prst="rect">
+            <a:avLst/>
+          </a:prstGeom>
+          <a:noFill/>
+        </p:spPr>
+        <p:txBody>
+          <a:bodyPr wrap="square" rtlCol="0">
+            <a:spAutoFit/>
+          </a:bodyPr>
+          <a:lstStyle/>
+          <a:p>
+            <a:r>
+              <a:rPr lang="en-US" dirty="0" smtClean="0"/>
+              <a:t>This shows the prototype with the wrist, notches milled into a </a:t>
+            </a:r>
+            <a:r>
+              <a:rPr lang="en-US" dirty="0" err="1" smtClean="0"/>
+              <a:t>nitinol</a:t>
+            </a:r>
+            <a:r>
+              <a:rPr lang="en-US" dirty="0" smtClean="0"/>
+              <a:t> tube, connected to a stainless steel shaft that is clamped onto the handle that consists of a finger piece that controls the cable displacement of the cable attached to the </a:t>
+            </a:r>
+            <a:r>
+              <a:rPr lang="en-US" dirty="0" err="1" smtClean="0"/>
+              <a:t>nitinol</a:t>
+            </a:r>
+            <a:r>
+              <a:rPr lang="en-US" dirty="0" smtClean="0"/>
+              <a:t> wrist. Moving the finger piece back causes cable displacement and thus wrist actuation. </a:t>
+            </a:r>
+            <a:endParaRPr lang="en-US" dirty="0"/>
+          </a:p>
+        </p:txBody>
+      </p:sp>
+      <p:grpSp>
+        <p:nvGrpSpPr>
+          <p:cNvPr id="4" name="Group 3"/>
+          <p:cNvGrpSpPr/>
+          <p:nvPr/>
+        </p:nvGrpSpPr>
+        <p:grpSpPr>
+          <a:xfrm>
+            <a:off x="539552" y="182237"/>
+            <a:ext cx="8352928" cy="1890715"/>
+            <a:chOff x="500064" y="1106237"/>
+            <a:chExt cx="8352928" cy="1890715"/>
+          </a:xfrm>
+        </p:grpSpPr>
+        <p:pic>
+          <p:nvPicPr>
+            <p:cNvPr id="5" name="Picture 4"/>
+            <p:cNvPicPr>
+              <a:picLocks noChangeAspect="1"/>
+            </p:cNvPicPr>
+            <p:nvPr/>
+          </p:nvPicPr>
+          <p:blipFill rotWithShape="1">
+            <a:blip r:embed="rId2" cstate="print">
+              <a:extLst>
+                <a:ext uri="{28A0092B-C50C-407E-A947-70E740481C1C}">
+                  <a14:useLocalDpi xmlns:a14="http://schemas.microsoft.com/office/drawing/2010/main" val="0"/>
+                </a:ext>
+              </a:extLst>
+            </a:blip>
+            <a:srcRect l="5900" t="41600" r="2751" b="34251"/>
+            <a:stretch/>
+          </p:blipFill>
+          <p:spPr>
+            <a:xfrm>
+              <a:off x="500064" y="1340768"/>
+              <a:ext cx="8352928" cy="1656184"/>
+            </a:xfrm>
+            <a:prstGeom prst="rect">
+              <a:avLst/>
+            </a:prstGeom>
+          </p:spPr>
+        </p:pic>
+        <p:sp>
+          <p:nvSpPr>
+            <p:cNvPr id="6" name="TextBox 5"/>
+            <p:cNvSpPr txBox="1"/>
+            <p:nvPr/>
+          </p:nvSpPr>
+          <p:spPr>
+            <a:xfrm>
+              <a:off x="5652924" y="1106237"/>
+              <a:ext cx="1288879" cy="369332"/>
+            </a:xfrm>
+            <a:prstGeom prst="rect">
+              <a:avLst/>
+            </a:prstGeom>
+            <a:noFill/>
+          </p:spPr>
+          <p:txBody>
+            <a:bodyPr wrap="none" rtlCol="0">
+              <a:spAutoFit/>
+            </a:bodyPr>
+            <a:lstStyle/>
+            <a:p>
+              <a:r>
+                <a:rPr lang="en-US" dirty="0"/>
+                <a:t>f</a:t>
+              </a:r>
+              <a:r>
+                <a:rPr lang="en-US" dirty="0" smtClean="0"/>
+                <a:t>inger </a:t>
+              </a:r>
+              <a:r>
+                <a:rPr lang="en-US" dirty="0" smtClean="0"/>
+                <a:t>piece</a:t>
+              </a:r>
+              <a:endParaRPr lang="en-US" dirty="0"/>
+            </a:p>
+          </p:txBody>
+        </p:sp>
+        <p:cxnSp>
+          <p:nvCxnSpPr>
+            <p:cNvPr id="7" name="Straight Arrow Connector 6"/>
+            <p:cNvCxnSpPr/>
+            <p:nvPr/>
+          </p:nvCxnSpPr>
+          <p:spPr>
+            <a:xfrm flipH="1">
+              <a:off x="5508909" y="1417386"/>
+              <a:ext cx="216044" cy="252168"/>
+            </a:xfrm>
+            <a:prstGeom prst="straightConnector1">
+              <a:avLst/>
+            </a:prstGeom>
+            <a:ln>
+              <a:solidFill>
+                <a:schemeClr val="tx1"/>
+              </a:solidFill>
+              <a:tailEnd type="triangle"/>
+            </a:ln>
+          </p:spPr>
+          <p:style>
+            <a:lnRef idx="1">
+              <a:schemeClr val="accent1"/>
+            </a:lnRef>
+            <a:fillRef idx="0">
+              <a:schemeClr val="accent1"/>
+            </a:fillRef>
+            <a:effectRef idx="0">
+              <a:schemeClr val="accent1"/>
+            </a:effectRef>
+            <a:fontRef idx="minor">
+              <a:schemeClr val="tx1"/>
+            </a:fontRef>
+          </p:style>
+        </p:cxnSp>
+        <p:sp>
+          <p:nvSpPr>
+            <p:cNvPr id="8" name="TextBox 7"/>
+            <p:cNvSpPr txBox="1"/>
+            <p:nvPr/>
+          </p:nvSpPr>
+          <p:spPr>
+            <a:xfrm>
+              <a:off x="1155695" y="1326501"/>
+              <a:ext cx="646972" cy="369332"/>
+            </a:xfrm>
+            <a:prstGeom prst="rect">
+              <a:avLst/>
+            </a:prstGeom>
+            <a:noFill/>
+          </p:spPr>
+          <p:txBody>
+            <a:bodyPr wrap="none" rtlCol="0">
+              <a:spAutoFit/>
+            </a:bodyPr>
+            <a:lstStyle/>
+            <a:p>
+              <a:r>
+                <a:rPr lang="en-US" dirty="0" smtClean="0"/>
+                <a:t>wrist</a:t>
+              </a:r>
+              <a:endParaRPr lang="en-US" dirty="0"/>
+            </a:p>
+          </p:txBody>
+        </p:sp>
+        <p:cxnSp>
+          <p:nvCxnSpPr>
+            <p:cNvPr id="9" name="Straight Arrow Connector 8"/>
+            <p:cNvCxnSpPr/>
+            <p:nvPr/>
+          </p:nvCxnSpPr>
+          <p:spPr>
+            <a:xfrm flipH="1">
+              <a:off x="979750" y="1695833"/>
+              <a:ext cx="351890" cy="414207"/>
+            </a:xfrm>
+            <a:prstGeom prst="straightConnector1">
+              <a:avLst/>
+            </a:prstGeom>
+            <a:ln>
+              <a:solidFill>
+                <a:schemeClr val="tx1"/>
+              </a:solidFill>
+              <a:tailEnd type="triangle"/>
+            </a:ln>
+          </p:spPr>
+          <p:style>
+            <a:lnRef idx="1">
+              <a:schemeClr val="accent1"/>
+            </a:lnRef>
+            <a:fillRef idx="0">
+              <a:schemeClr val="accent1"/>
+            </a:fillRef>
+            <a:effectRef idx="0">
+              <a:schemeClr val="accent1"/>
+            </a:effectRef>
+            <a:fontRef idx="minor">
+              <a:schemeClr val="tx1"/>
+            </a:fontRef>
+          </p:style>
+        </p:cxnSp>
+      </p:grpSp>
+      <p:sp>
+        <p:nvSpPr>
+          <p:cNvPr id="10" name="TextBox 9"/>
+          <p:cNvSpPr txBox="1"/>
+          <p:nvPr/>
+        </p:nvSpPr>
+        <p:spPr>
+          <a:xfrm>
+            <a:off x="2015168" y="402501"/>
+            <a:ext cx="2072268" cy="369332"/>
+          </a:xfrm>
+          <a:prstGeom prst="rect">
+            <a:avLst/>
+          </a:prstGeom>
+          <a:noFill/>
+        </p:spPr>
+        <p:txBody>
+          <a:bodyPr wrap="square" rtlCol="0">
+            <a:spAutoFit/>
+          </a:bodyPr>
+          <a:lstStyle/>
+          <a:p>
+            <a:r>
+              <a:rPr lang="en-US" dirty="0"/>
+              <a:t>s</a:t>
+            </a:r>
+            <a:r>
+              <a:rPr lang="en-US" dirty="0" smtClean="0"/>
+              <a:t>tainless steel shaft</a:t>
+            </a:r>
+            <a:endParaRPr lang="en-US" dirty="0"/>
+          </a:p>
+        </p:txBody>
+      </p:sp>
+      <p:cxnSp>
+        <p:nvCxnSpPr>
+          <p:cNvPr id="11" name="Straight Arrow Connector 10"/>
+          <p:cNvCxnSpPr/>
+          <p:nvPr/>
+        </p:nvCxnSpPr>
+        <p:spPr>
+          <a:xfrm flipH="1">
+            <a:off x="2620479" y="771833"/>
+            <a:ext cx="351890" cy="414207"/>
+          </a:xfrm>
+          <a:prstGeom prst="straightConnector1">
+            <a:avLst/>
+          </a:prstGeom>
+          <a:ln>
+            <a:solidFill>
+              <a:schemeClr val="tx1"/>
+            </a:solidFill>
+            <a:tailEnd type="triangle"/>
+          </a:ln>
+        </p:spPr>
+        <p:style>
+          <a:lnRef idx="1">
+            <a:schemeClr val="accent1"/>
+          </a:lnRef>
+          <a:fillRef idx="0">
+            <a:schemeClr val="accent1"/>
+          </a:fillRef>
+          <a:effectRef idx="0">
+            <a:schemeClr val="accent1"/>
+          </a:effectRef>
+          <a:fontRef idx="minor">
+            <a:schemeClr val="tx1"/>
+          </a:fontRef>
+        </p:style>
+      </p:cxnSp>
+      <p:sp>
+        <p:nvSpPr>
+          <p:cNvPr id="12" name="TextBox 11"/>
+          <p:cNvSpPr txBox="1"/>
+          <p:nvPr/>
+        </p:nvSpPr>
+        <p:spPr>
+          <a:xfrm>
+            <a:off x="4143870" y="345875"/>
+            <a:ext cx="1319785" cy="369332"/>
+          </a:xfrm>
+          <a:prstGeom prst="rect">
+            <a:avLst/>
+          </a:prstGeom>
+          <a:noFill/>
+        </p:spPr>
+        <p:txBody>
+          <a:bodyPr wrap="none" rtlCol="0">
+            <a:spAutoFit/>
+          </a:bodyPr>
+          <a:lstStyle/>
+          <a:p>
+            <a:r>
+              <a:rPr lang="en-US" dirty="0"/>
+              <a:t>c</a:t>
+            </a:r>
+            <a:r>
+              <a:rPr lang="en-US" dirty="0" smtClean="0"/>
+              <a:t>ollet clamp</a:t>
+            </a:r>
+            <a:endParaRPr lang="en-US" dirty="0"/>
+          </a:p>
+        </p:txBody>
+      </p:sp>
+      <p:cxnSp>
+        <p:nvCxnSpPr>
+          <p:cNvPr id="13" name="Straight Arrow Connector 12"/>
+          <p:cNvCxnSpPr/>
+          <p:nvPr/>
+        </p:nvCxnSpPr>
+        <p:spPr>
+          <a:xfrm flipH="1">
+            <a:off x="4224654" y="654188"/>
+            <a:ext cx="351890" cy="414207"/>
+          </a:xfrm>
+          <a:prstGeom prst="straightConnector1">
+            <a:avLst/>
+          </a:prstGeom>
+          <a:ln>
+            <a:solidFill>
+              <a:schemeClr val="tx1"/>
+            </a:solidFill>
+            <a:tailEnd type="triangle"/>
+          </a:ln>
+        </p:spPr>
+        <p:style>
+          <a:lnRef idx="1">
+            <a:schemeClr val="accent1"/>
+          </a:lnRef>
+          <a:fillRef idx="0">
+            <a:schemeClr val="accent1"/>
+          </a:fillRef>
+          <a:effectRef idx="0">
+            <a:schemeClr val="accent1"/>
+          </a:effectRef>
+          <a:fontRef idx="minor">
+            <a:schemeClr val="tx1"/>
+          </a:fontRef>
+        </p:style>
+      </p:cxnSp>
+      <p:sp>
+        <p:nvSpPr>
+          <p:cNvPr id="14" name="TextBox 13"/>
+          <p:cNvSpPr txBox="1"/>
+          <p:nvPr/>
+        </p:nvSpPr>
+        <p:spPr>
+          <a:xfrm>
+            <a:off x="7614666" y="332656"/>
+            <a:ext cx="829073" cy="369332"/>
+          </a:xfrm>
+          <a:prstGeom prst="rect">
+            <a:avLst/>
+          </a:prstGeom>
+          <a:noFill/>
+        </p:spPr>
+        <p:txBody>
+          <a:bodyPr wrap="none" rtlCol="0">
+            <a:spAutoFit/>
+          </a:bodyPr>
+          <a:lstStyle/>
+          <a:p>
+            <a:r>
+              <a:rPr lang="en-US" dirty="0" smtClean="0"/>
+              <a:t>handle</a:t>
+            </a:r>
+            <a:endParaRPr lang="en-US" dirty="0"/>
+          </a:p>
+        </p:txBody>
+      </p:sp>
+      <p:cxnSp>
+        <p:nvCxnSpPr>
+          <p:cNvPr id="15" name="Straight Arrow Connector 14"/>
+          <p:cNvCxnSpPr/>
+          <p:nvPr/>
+        </p:nvCxnSpPr>
+        <p:spPr>
+          <a:xfrm flipH="1">
+            <a:off x="7438721" y="701988"/>
+            <a:ext cx="351890" cy="414207"/>
+          </a:xfrm>
+          <a:prstGeom prst="straightConnector1">
+            <a:avLst/>
+          </a:prstGeom>
+          <a:ln>
+            <a:solidFill>
+              <a:schemeClr val="tx1"/>
+            </a:solidFill>
+            <a:tailEnd type="triangle"/>
+          </a:ln>
+        </p:spPr>
+        <p:style>
+          <a:lnRef idx="1">
+            <a:schemeClr val="accent1"/>
+          </a:lnRef>
+          <a:fillRef idx="0">
+            <a:schemeClr val="accent1"/>
+          </a:fillRef>
+          <a:effectRef idx="0">
+            <a:schemeClr val="accent1"/>
+          </a:effectRef>
+          <a:fontRef idx="minor">
+            <a:schemeClr val="tx1"/>
+          </a:fontRef>
+        </p:style>
+      </p:cxnSp>
+      <p:sp>
+        <p:nvSpPr>
+          <p:cNvPr id="16" name="TextBox 15"/>
+          <p:cNvSpPr txBox="1"/>
+          <p:nvPr/>
+        </p:nvSpPr>
+        <p:spPr>
+          <a:xfrm>
+            <a:off x="6185009" y="437796"/>
+            <a:ext cx="681340" cy="369332"/>
+          </a:xfrm>
+          <a:prstGeom prst="rect">
+            <a:avLst/>
+          </a:prstGeom>
+          <a:noFill/>
+        </p:spPr>
+        <p:txBody>
+          <a:bodyPr wrap="none" rtlCol="0">
+            <a:spAutoFit/>
+          </a:bodyPr>
+          <a:lstStyle/>
+          <a:p>
+            <a:r>
+              <a:rPr lang="en-US" dirty="0" smtClean="0"/>
+              <a:t>cable</a:t>
+            </a:r>
+            <a:endParaRPr lang="en-US" dirty="0"/>
+          </a:p>
+        </p:txBody>
+      </p:sp>
+      <p:cxnSp>
+        <p:nvCxnSpPr>
+          <p:cNvPr id="17" name="Straight Arrow Connector 16"/>
+          <p:cNvCxnSpPr/>
+          <p:nvPr/>
+        </p:nvCxnSpPr>
+        <p:spPr>
+          <a:xfrm flipH="1">
+            <a:off x="5910802" y="716427"/>
+            <a:ext cx="351890" cy="414207"/>
+          </a:xfrm>
+          <a:prstGeom prst="straightConnector1">
+            <a:avLst/>
+          </a:prstGeom>
+          <a:ln>
+            <a:solidFill>
+              <a:schemeClr val="tx1"/>
+            </a:solidFill>
+            <a:tailEnd type="triangle"/>
+          </a:ln>
+        </p:spPr>
+        <p:style>
+          <a:lnRef idx="1">
+            <a:schemeClr val="accent1"/>
+          </a:lnRef>
+          <a:fillRef idx="0">
+            <a:schemeClr val="accent1"/>
+          </a:fillRef>
+          <a:effectRef idx="0">
+            <a:schemeClr val="accent1"/>
+          </a:effectRef>
+          <a:fontRef idx="minor">
+            <a:schemeClr val="tx1"/>
+          </a:fontRef>
+        </p:style>
+      </p:cxnSp>
+    </p:spTree>
+  </p:cSld>
+  <p:clrMapOvr>
+    <a:masterClrMapping/>
+  </p:clrMapOvr>
+</p:sld>
+</file>
+
+<file path=ppt/slides/slide3.xml><?xml version="1.0" encoding="utf-8"?>
+<p:sld xmlns:a="http://schemas.openxmlformats.org/drawingml/2006/main" xmlns:r="http://schemas.openxmlformats.org/officeDocument/2006/relationships" xmlns:p="http://schemas.openxmlformats.org/presentationml/2006/main">
+  <p:cSld>
+    <p:spTree>
+      <p:nvGrpSpPr>
+        <p:cNvPr id="1" name=""/>
+        <p:cNvGrpSpPr/>
+        <p:nvPr/>
+      </p:nvGrpSpPr>
+      <p:grpSpPr>
+        <a:xfrm>
+          <a:off x="0" y="0"/>
+          <a:ext cx="0" cy="0"/>
+          <a:chOff x="0" y="0"/>
+          <a:chExt cx="0" cy="0"/>
+        </a:xfrm>
+      </p:grpSpPr>
       <p:grpSp>
         <p:nvGrpSpPr>
           <p:cNvPr id="9" name="Group 8"/>
@@ -3133,7 +3677,7 @@
         </p:nvGrpSpPr>
         <p:grpSpPr>
           <a:xfrm>
-            <a:off x="1979712" y="1772816"/>
+            <a:off x="323528" y="620688"/>
             <a:ext cx="5943600" cy="3346493"/>
             <a:chOff x="1979712" y="1772816"/>
             <a:chExt cx="5943600" cy="3346493"/>
@@ -3266,63 +3810,64 @@
           </p:style>
         </p:cxnSp>
       </p:grpSp>
-    </p:spTree>
-  </p:cSld>
-  <p:clrMapOvr>
-    <a:masterClrMapping/>
-  </p:clrMapOvr>
-</p:sld>
-</file>
-
-<file path=ppt/slides/slide3.xml><?xml version="1.0" encoding="utf-8"?>
-<p:sld xmlns:a="http://schemas.openxmlformats.org/drawingml/2006/main" xmlns:r="http://schemas.openxmlformats.org/officeDocument/2006/relationships" xmlns:p="http://schemas.openxmlformats.org/presentationml/2006/main">
-  <p:cSld>
-    <p:spTree>
-      <p:nvGrpSpPr>
-        <p:cNvPr id="1" name=""/>
-        <p:cNvGrpSpPr/>
-        <p:nvPr/>
-      </p:nvGrpSpPr>
-      <p:grpSpPr>
-        <a:xfrm>
-          <a:off x="0" y="0"/>
-          <a:ext cx="0" cy="0"/>
-          <a:chOff x="0" y="0"/>
-          <a:chExt cx="0" cy="0"/>
-        </a:xfrm>
-      </p:grpSpPr>
-      <p:pic>
-        <p:nvPicPr>
-          <p:cNvPr id="1026" name="Picture 2"/>
-          <p:cNvPicPr>
-            <a:picLocks noChangeAspect="1" noChangeArrowheads="1"/>
-          </p:cNvPicPr>
+      <p:sp>
+        <p:nvSpPr>
+          <p:cNvPr id="7" name="TextBox 6"/>
+          <p:cNvSpPr txBox="1"/>
           <p:nvPr/>
-        </p:nvPicPr>
-        <p:blipFill>
-          <a:blip r:embed="rId2" cstate="print"/>
-          <a:srcRect/>
-          <a:stretch>
-            <a:fillRect/>
-          </a:stretch>
-        </p:blipFill>
-        <p:spPr bwMode="auto">
+        </p:nvSpPr>
+        <p:spPr>
           <a:xfrm>
-            <a:off x="2647950" y="1090613"/>
-            <a:ext cx="3848100" cy="4676775"/>
+            <a:off x="467544" y="4183205"/>
+            <a:ext cx="6264696" cy="2308324"/>
           </a:xfrm>
           <a:prstGeom prst="rect">
             <a:avLst/>
           </a:prstGeom>
           <a:noFill/>
-          <a:ln w="9525">
-            <a:noFill/>
-            <a:miter lim="800000"/>
-            <a:headEnd/>
-            <a:tailEnd/>
-          </a:ln>
         </p:spPr>
-      </p:pic>
+        <p:txBody>
+          <a:bodyPr wrap="square" rtlCol="0">
+            <a:spAutoFit/>
+          </a:bodyPr>
+          <a:lstStyle/>
+          <a:p>
+            <a:r>
+              <a:rPr lang="en-US" dirty="0"/>
+              <a:t>This is a model of the left temporal bone. </a:t>
+            </a:r>
+            <a:r>
+              <a:rPr lang="en-US" dirty="0" smtClean="0"/>
+              <a:t>The promontory is a landmark bone inside the middle ear, behind the </a:t>
+            </a:r>
+            <a:r>
+              <a:rPr lang="en-US" dirty="0" err="1" smtClean="0"/>
+              <a:t>ossicles</a:t>
+            </a:r>
+            <a:r>
+              <a:rPr lang="en-US" dirty="0" smtClean="0"/>
+              <a:t>. The sinus tympani is shown and is very difficult to reach into with standard, rigid tools to dissect and remove </a:t>
+            </a:r>
+            <a:r>
+              <a:rPr lang="en-US" dirty="0" err="1" smtClean="0"/>
+              <a:t>cholesteatoma</a:t>
+            </a:r>
+            <a:r>
+              <a:rPr lang="en-US" dirty="0" smtClean="0"/>
+              <a:t>. Often, the </a:t>
+            </a:r>
+            <a:r>
+              <a:rPr lang="en-US" dirty="0" err="1" smtClean="0"/>
+              <a:t>cholesteatoma</a:t>
+            </a:r>
+            <a:r>
+              <a:rPr lang="en-US" dirty="0" smtClean="0"/>
+              <a:t> is visualized in the sinus tympani with the endoscope but the tools cannot reach inside to extract it. This image shows, with an endoscope view, that the controllable, flexible instrument can reach into the sinus tympani. </a:t>
+            </a:r>
+            <a:endParaRPr lang="en-US" dirty="0"/>
+          </a:p>
+        </p:txBody>
+      </p:sp>
     </p:spTree>
   </p:cSld>
   <p:clrMapOvr>
@@ -3348,44 +3893,131 @@
           <a:chExt cx="0" cy="0"/>
         </a:xfrm>
       </p:grpSpPr>
-      <p:pic>
-        <p:nvPicPr>
-          <p:cNvPr id="2" name="Picture 1" descr="C:\Users\arushri swarup\Documents\endoscope and tool videos Apr-2017\19-apr-2017\IMG_3727.JPG"/>
-          <p:cNvPicPr/>
+      <p:sp>
+        <p:nvSpPr>
+          <p:cNvPr id="2" name="TextBox 1"/>
+          <p:cNvSpPr txBox="1"/>
           <p:nvPr/>
-        </p:nvPicPr>
-        <p:blipFill>
-          <a:blip r:embed="rId2" cstate="print"/>
-          <a:srcRect t="43539" r="1539" b="35461"/>
-          <a:stretch>
-            <a:fillRect/>
-          </a:stretch>
-        </p:blipFill>
-        <p:spPr bwMode="auto">
+        </p:nvSpPr>
+        <p:spPr>
           <a:xfrm>
-            <a:off x="1600200" y="3140968"/>
-            <a:ext cx="5852120" cy="936104"/>
+            <a:off x="4467442" y="817553"/>
+            <a:ext cx="4226905" cy="3139321"/>
           </a:xfrm>
           <a:prstGeom prst="rect">
             <a:avLst/>
           </a:prstGeom>
           <a:noFill/>
-          <a:ln w="9525">
-            <a:noFill/>
-            <a:miter lim="800000"/>
-            <a:headEnd/>
-            <a:tailEnd/>
-          </a:ln>
-          <a:effectLst>
-            <a:outerShdw blurRad="50800" dist="50800" dir="5400000" algn="ctr" rotWithShape="0">
-              <a:srgbClr val="000000">
-                <a:alpha val="48000"/>
-              </a:srgbClr>
-            </a:outerShdw>
-          </a:effectLst>
+        </p:spPr>
+        <p:txBody>
+          <a:bodyPr wrap="square" rtlCol="0">
+            <a:spAutoFit/>
+          </a:bodyPr>
+          <a:lstStyle/>
+          <a:p>
+            <a:r>
+              <a:rPr lang="en-US" dirty="0"/>
+              <a:t>This is a model of the left temporal bone. </a:t>
+            </a:r>
+            <a:r>
+              <a:rPr lang="en-US" dirty="0" smtClean="0"/>
+              <a:t>The model has been cropped so that the antrum is visible in this bird’s eye view. </a:t>
+            </a:r>
+            <a:r>
+              <a:rPr lang="en-US" dirty="0" err="1" smtClean="0"/>
+              <a:t>Cholesteatoma</a:t>
+            </a:r>
+            <a:r>
+              <a:rPr lang="en-US" dirty="0" smtClean="0"/>
+              <a:t> </a:t>
+            </a:r>
+            <a:r>
+              <a:rPr lang="en-US" dirty="0"/>
+              <a:t>had eroded the ear canal in this patient like an </a:t>
+            </a:r>
+            <a:r>
+              <a:rPr lang="en-US" dirty="0" err="1" smtClean="0"/>
+              <a:t>atticoantrostomy</a:t>
+            </a:r>
+            <a:r>
+              <a:rPr lang="en-US" dirty="0" smtClean="0"/>
+              <a:t>, a hole in the ear canal where the instrument is coming through. Thus, the instrument is introduced </a:t>
+            </a:r>
+            <a:r>
+              <a:rPr lang="en-US" dirty="0"/>
+              <a:t>through that </a:t>
+            </a:r>
+            <a:r>
+              <a:rPr lang="en-US" dirty="0" smtClean="0"/>
+              <a:t>opening and the tip can reach and dissect the boundary of the antrum. </a:t>
+            </a:r>
+            <a:endParaRPr lang="en-US" dirty="0"/>
+          </a:p>
+          <a:p>
+            <a:endParaRPr lang="en-US" dirty="0"/>
+          </a:p>
+        </p:txBody>
+      </p:sp>
+      <p:pic>
+        <p:nvPicPr>
+          <p:cNvPr id="4" name="Picture 3"/>
+          <p:cNvPicPr>
+            <a:picLocks noChangeAspect="1"/>
+          </p:cNvPicPr>
+          <p:nvPr/>
+        </p:nvPicPr>
+        <p:blipFill rotWithShape="1">
+          <a:blip r:embed="rId2" cstate="print">
+            <a:extLst>
+              <a:ext uri="{28A0092B-C50C-407E-A947-70E740481C1C}">
+                <a14:useLocalDpi xmlns:a14="http://schemas.microsoft.com/office/drawing/2010/main" val="0"/>
+              </a:ext>
+            </a:extLst>
+          </a:blip>
+          <a:srcRect t="18500" r="2180" b="17450"/>
+          <a:stretch/>
+        </p:blipFill>
+        <p:spPr>
+          <a:xfrm>
+            <a:off x="693930" y="692696"/>
+            <a:ext cx="3773512" cy="4392488"/>
+          </a:xfrm>
+          <a:prstGeom prst="rect">
+            <a:avLst/>
+          </a:prstGeom>
         </p:spPr>
       </p:pic>
     </p:spTree>
+  </p:cSld>
+  <p:clrMapOvr>
+    <a:masterClrMapping/>
+  </p:clrMapOvr>
+</p:sld>
+</file>
+
+<file path=ppt/slides/slide5.xml><?xml version="1.0" encoding="utf-8"?>
+<p:sld xmlns:a="http://schemas.openxmlformats.org/drawingml/2006/main" xmlns:r="http://schemas.openxmlformats.org/officeDocument/2006/relationships" xmlns:p="http://schemas.openxmlformats.org/presentationml/2006/main">
+  <p:cSld>
+    <p:spTree>
+      <p:nvGrpSpPr>
+        <p:cNvPr id="1" name=""/>
+        <p:cNvGrpSpPr/>
+        <p:nvPr/>
+      </p:nvGrpSpPr>
+      <p:grpSpPr>
+        <a:xfrm>
+          <a:off x="0" y="0"/>
+          <a:ext cx="0" cy="0"/>
+          <a:chOff x="0" y="0"/>
+          <a:chExt cx="0" cy="0"/>
+        </a:xfrm>
+      </p:grpSpPr>
+    </p:spTree>
+    <p:extLst>
+      <p:ext uri="{BB962C8B-B14F-4D97-AF65-F5344CB8AC3E}">
+        <p14:creationId xmlns:p14="http://schemas.microsoft.com/office/powerpoint/2010/main" val="1554214310"/>
+      </p:ext>
+    </p:extLst>
   </p:cSld>
   <p:clrMapOvr>
     <a:masterClrMapping/>

--- a/progress report pictures.pptx
+++ b/progress report pictures.pptx
@@ -10,6 +10,7 @@
     <p:sldId id="257" r:id="rId4"/>
     <p:sldId id="258" r:id="rId5"/>
     <p:sldId id="260" r:id="rId6"/>
+    <p:sldId id="261" r:id="rId7"/>
   </p:sldIdLst>
   <p:sldSz cx="9144000" cy="6858000" type="screen4x3"/>
   <p:notesSz cx="6858000" cy="9144000"/>
@@ -110,7 +111,7 @@
   </p:defaultTextStyle>
   <p:extLst>
     <p:ext uri="{EFAFB233-063F-42B5-8137-9DF3F51BA10A}">
-      <p15:sldGuideLst xmlns:p15="http://schemas.microsoft.com/office/powerpoint/2012/main">
+      <p15:sldGuideLst xmlns:p15="http://schemas.microsoft.com/office/powerpoint/2012/main" xmlns="">
         <p15:guide id="1" orient="horz" pos="2160">
           <p15:clr>
             <a:srgbClr val="A4A3A4"/>
@@ -3214,7 +3215,7 @@
             <a:blip r:embed="rId2" cstate="print">
               <a:extLst>
                 <a:ext uri="{28A0092B-C50C-407E-A947-70E740481C1C}">
-                  <a14:useLocalDpi xmlns:a14="http://schemas.microsoft.com/office/drawing/2010/main" val="0"/>
+                  <a14:useLocalDpi xmlns:a14="http://schemas.microsoft.com/office/drawing/2010/main" xmlns="" val="0"/>
                 </a:ext>
               </a:extLst>
             </a:blip>
@@ -3259,11 +3260,7 @@
               </a:r>
               <a:r>
                 <a:rPr lang="en-US" dirty="0" smtClean="0"/>
-                <a:t>inger </a:t>
-              </a:r>
-              <a:r>
-                <a:rPr lang="en-US" dirty="0" smtClean="0"/>
-                <a:t>piece</a:t>
+                <a:t>inger piece</a:t>
               </a:r>
               <a:endParaRPr lang="en-US" dirty="0"/>
             </a:p>
@@ -3970,7 +3967,7 @@
           <a:blip r:embed="rId2" cstate="print">
             <a:extLst>
               <a:ext uri="{28A0092B-C50C-407E-A947-70E740481C1C}">
-                <a14:useLocalDpi xmlns:a14="http://schemas.microsoft.com/office/drawing/2010/main" val="0"/>
+                <a14:useLocalDpi xmlns:a14="http://schemas.microsoft.com/office/drawing/2010/main" xmlns="" val="0"/>
               </a:ext>
             </a:extLst>
           </a:blip>
@@ -4012,12 +4009,462 @@
           <a:chExt cx="0" cy="0"/>
         </a:xfrm>
       </p:grpSpPr>
+      <p:grpSp>
+        <p:nvGrpSpPr>
+          <p:cNvPr id="32" name="Group 31"/>
+          <p:cNvGrpSpPr/>
+          <p:nvPr/>
+        </p:nvGrpSpPr>
+        <p:grpSpPr>
+          <a:xfrm>
+            <a:off x="395536" y="1196049"/>
+            <a:ext cx="7745401" cy="2671202"/>
+            <a:chOff x="395536" y="1196049"/>
+            <a:chExt cx="7745401" cy="2671202"/>
+          </a:xfrm>
+        </p:grpSpPr>
+        <p:pic>
+          <p:nvPicPr>
+            <p:cNvPr id="9" name="Picture 8"/>
+            <p:cNvPicPr>
+              <a:picLocks noChangeAspect="1"/>
+            </p:cNvPicPr>
+            <p:nvPr/>
+          </p:nvPicPr>
+          <p:blipFill>
+            <a:blip r:embed="rId2" cstate="print"/>
+            <a:stretch>
+              <a:fillRect/>
+            </a:stretch>
+          </p:blipFill>
+          <p:spPr>
+            <a:xfrm>
+              <a:off x="395536" y="1196752"/>
+              <a:ext cx="3490848" cy="2670499"/>
+            </a:xfrm>
+            <a:prstGeom prst="rect">
+              <a:avLst/>
+            </a:prstGeom>
+          </p:spPr>
+        </p:pic>
+        <p:cxnSp>
+          <p:nvCxnSpPr>
+            <p:cNvPr id="11" name="Straight Arrow Connector 10"/>
+            <p:cNvCxnSpPr/>
+            <p:nvPr/>
+          </p:nvCxnSpPr>
+          <p:spPr>
+            <a:xfrm flipH="1">
+              <a:off x="1547664" y="1401743"/>
+              <a:ext cx="216024" cy="443081"/>
+            </a:xfrm>
+            <a:prstGeom prst="straightConnector1">
+              <a:avLst/>
+            </a:prstGeom>
+            <a:ln>
+              <a:solidFill>
+                <a:schemeClr val="tx1"/>
+              </a:solidFill>
+              <a:headEnd type="none" w="med" len="med"/>
+              <a:tailEnd type="triangle" w="med" len="med"/>
+            </a:ln>
+          </p:spPr>
+          <p:style>
+            <a:lnRef idx="1">
+              <a:schemeClr val="accent1"/>
+            </a:lnRef>
+            <a:fillRef idx="0">
+              <a:schemeClr val="accent1"/>
+            </a:fillRef>
+            <a:effectRef idx="0">
+              <a:schemeClr val="accent1"/>
+            </a:effectRef>
+            <a:fontRef idx="minor">
+              <a:schemeClr val="tx1"/>
+            </a:fontRef>
+          </p:style>
+        </p:cxnSp>
+        <p:sp>
+          <p:nvSpPr>
+            <p:cNvPr id="13" name="TextBox 12"/>
+            <p:cNvSpPr txBox="1"/>
+            <p:nvPr/>
+          </p:nvSpPr>
+          <p:spPr>
+            <a:xfrm>
+              <a:off x="1619672" y="1196752"/>
+              <a:ext cx="660950" cy="276999"/>
+            </a:xfrm>
+            <a:prstGeom prst="rect">
+              <a:avLst/>
+            </a:prstGeom>
+            <a:noFill/>
+          </p:spPr>
+          <p:txBody>
+            <a:bodyPr wrap="square" rtlCol="0">
+              <a:spAutoFit/>
+            </a:bodyPr>
+            <a:lstStyle/>
+            <a:p>
+              <a:r>
+                <a:rPr lang="en-CA" sz="1200" dirty="0" smtClean="0"/>
+                <a:t>Antrum</a:t>
+              </a:r>
+              <a:endParaRPr lang="en-CA" dirty="0"/>
+            </a:p>
+          </p:txBody>
+        </p:sp>
+        <p:cxnSp>
+          <p:nvCxnSpPr>
+            <p:cNvPr id="17" name="Straight Arrow Connector 16"/>
+            <p:cNvCxnSpPr/>
+            <p:nvPr/>
+          </p:nvCxnSpPr>
+          <p:spPr>
+            <a:xfrm flipH="1">
+              <a:off x="1619672" y="1628800"/>
+              <a:ext cx="216024" cy="432048"/>
+            </a:xfrm>
+            <a:prstGeom prst="straightConnector1">
+              <a:avLst/>
+            </a:prstGeom>
+            <a:ln>
+              <a:solidFill>
+                <a:schemeClr val="tx1"/>
+              </a:solidFill>
+              <a:headEnd type="none" w="med" len="med"/>
+              <a:tailEnd type="triangle" w="med" len="med"/>
+            </a:ln>
+          </p:spPr>
+          <p:style>
+            <a:lnRef idx="1">
+              <a:schemeClr val="accent1"/>
+            </a:lnRef>
+            <a:fillRef idx="0">
+              <a:schemeClr val="accent1"/>
+            </a:fillRef>
+            <a:effectRef idx="0">
+              <a:schemeClr val="accent1"/>
+            </a:effectRef>
+            <a:fontRef idx="minor">
+              <a:schemeClr val="tx1"/>
+            </a:fontRef>
+          </p:style>
+        </p:cxnSp>
+        <p:sp>
+          <p:nvSpPr>
+            <p:cNvPr id="18" name="TextBox 17"/>
+            <p:cNvSpPr txBox="1"/>
+            <p:nvPr/>
+          </p:nvSpPr>
+          <p:spPr>
+            <a:xfrm>
+              <a:off x="1691680" y="1412776"/>
+              <a:ext cx="683200" cy="288032"/>
+            </a:xfrm>
+            <a:prstGeom prst="rect">
+              <a:avLst/>
+            </a:prstGeom>
+            <a:noFill/>
+          </p:spPr>
+          <p:txBody>
+            <a:bodyPr wrap="square" rtlCol="0">
+              <a:spAutoFit/>
+            </a:bodyPr>
+            <a:lstStyle/>
+            <a:p>
+              <a:r>
+                <a:rPr lang="en-CA" sz="1200" dirty="0" smtClean="0"/>
+                <a:t>Ossicles</a:t>
+              </a:r>
+            </a:p>
+          </p:txBody>
+        </p:sp>
+        <p:pic>
+          <p:nvPicPr>
+            <p:cNvPr id="25" name="Picture 24"/>
+            <p:cNvPicPr>
+              <a:picLocks noChangeAspect="1"/>
+            </p:cNvPicPr>
+            <p:nvPr/>
+          </p:nvPicPr>
+          <p:blipFill>
+            <a:blip r:embed="rId3" cstate="print"/>
+            <a:stretch>
+              <a:fillRect/>
+            </a:stretch>
+          </p:blipFill>
+          <p:spPr>
+            <a:xfrm>
+              <a:off x="4658891" y="1196049"/>
+              <a:ext cx="3482046" cy="2664999"/>
+            </a:xfrm>
+            <a:prstGeom prst="rect">
+              <a:avLst/>
+            </a:prstGeom>
+          </p:spPr>
+        </p:pic>
+        <p:cxnSp>
+          <p:nvCxnSpPr>
+            <p:cNvPr id="26" name="Straight Arrow Connector 25"/>
+            <p:cNvCxnSpPr/>
+            <p:nvPr/>
+          </p:nvCxnSpPr>
+          <p:spPr>
+            <a:xfrm flipH="1">
+              <a:off x="6300192" y="1844824"/>
+              <a:ext cx="216024" cy="432048"/>
+            </a:xfrm>
+            <a:prstGeom prst="straightConnector1">
+              <a:avLst/>
+            </a:prstGeom>
+            <a:ln>
+              <a:solidFill>
+                <a:schemeClr val="tx1"/>
+              </a:solidFill>
+              <a:headEnd type="none" w="med" len="med"/>
+              <a:tailEnd type="triangle" w="med" len="med"/>
+            </a:ln>
+          </p:spPr>
+          <p:style>
+            <a:lnRef idx="1">
+              <a:schemeClr val="accent1"/>
+            </a:lnRef>
+            <a:fillRef idx="0">
+              <a:schemeClr val="accent1"/>
+            </a:fillRef>
+            <a:effectRef idx="0">
+              <a:schemeClr val="accent1"/>
+            </a:effectRef>
+            <a:fontRef idx="minor">
+              <a:schemeClr val="tx1"/>
+            </a:fontRef>
+          </p:style>
+        </p:cxnSp>
+        <p:sp>
+          <p:nvSpPr>
+            <p:cNvPr id="27" name="TextBox 26"/>
+            <p:cNvSpPr txBox="1"/>
+            <p:nvPr/>
+          </p:nvSpPr>
+          <p:spPr>
+            <a:xfrm>
+              <a:off x="6337072" y="1628800"/>
+              <a:ext cx="1115248" cy="276999"/>
+            </a:xfrm>
+            <a:prstGeom prst="rect">
+              <a:avLst/>
+            </a:prstGeom>
+            <a:noFill/>
+          </p:spPr>
+          <p:txBody>
+            <a:bodyPr wrap="square" rtlCol="0">
+              <a:spAutoFit/>
+            </a:bodyPr>
+            <a:lstStyle/>
+            <a:p>
+              <a:r>
+                <a:rPr lang="en-CA" sz="1200" dirty="0" smtClean="0"/>
+                <a:t>Sinus tympani</a:t>
+              </a:r>
+            </a:p>
+          </p:txBody>
+        </p:sp>
+        <p:cxnSp>
+          <p:nvCxnSpPr>
+            <p:cNvPr id="28" name="Straight Arrow Connector 27"/>
+            <p:cNvCxnSpPr/>
+            <p:nvPr/>
+          </p:nvCxnSpPr>
+          <p:spPr>
+            <a:xfrm flipH="1" flipV="1">
+              <a:off x="6156176" y="2492896"/>
+              <a:ext cx="288032" cy="504056"/>
+            </a:xfrm>
+            <a:prstGeom prst="straightConnector1">
+              <a:avLst/>
+            </a:prstGeom>
+            <a:ln>
+              <a:solidFill>
+                <a:schemeClr val="tx1"/>
+              </a:solidFill>
+              <a:headEnd type="none" w="med" len="med"/>
+              <a:tailEnd type="triangle" w="med" len="med"/>
+            </a:ln>
+          </p:spPr>
+          <p:style>
+            <a:lnRef idx="1">
+              <a:schemeClr val="accent1"/>
+            </a:lnRef>
+            <a:fillRef idx="0">
+              <a:schemeClr val="accent1"/>
+            </a:fillRef>
+            <a:effectRef idx="0">
+              <a:schemeClr val="accent1"/>
+            </a:effectRef>
+            <a:fontRef idx="minor">
+              <a:schemeClr val="tx1"/>
+            </a:fontRef>
+          </p:style>
+        </p:cxnSp>
+        <p:sp>
+          <p:nvSpPr>
+            <p:cNvPr id="29" name="TextBox 28"/>
+            <p:cNvSpPr txBox="1"/>
+            <p:nvPr/>
+          </p:nvSpPr>
+          <p:spPr>
+            <a:xfrm>
+              <a:off x="6228184" y="2924944"/>
+              <a:ext cx="683200" cy="288032"/>
+            </a:xfrm>
+            <a:prstGeom prst="rect">
+              <a:avLst/>
+            </a:prstGeom>
+            <a:noFill/>
+          </p:spPr>
+          <p:txBody>
+            <a:bodyPr wrap="square" rtlCol="0">
+              <a:spAutoFit/>
+            </a:bodyPr>
+            <a:lstStyle/>
+            <a:p>
+              <a:r>
+                <a:rPr lang="en-CA" sz="1200" dirty="0" smtClean="0"/>
+                <a:t>Ossicles</a:t>
+              </a:r>
+            </a:p>
+          </p:txBody>
+        </p:sp>
+      </p:grpSp>
+      <p:sp>
+        <p:nvSpPr>
+          <p:cNvPr id="33" name="TextBox 32"/>
+          <p:cNvSpPr txBox="1"/>
+          <p:nvPr/>
+        </p:nvSpPr>
+        <p:spPr>
+          <a:xfrm>
+            <a:off x="1043608" y="4365104"/>
+            <a:ext cx="6336704" cy="646331"/>
+          </a:xfrm>
+          <a:prstGeom prst="rect">
+            <a:avLst/>
+          </a:prstGeom>
+          <a:noFill/>
+        </p:spPr>
+        <p:txBody>
+          <a:bodyPr wrap="square" rtlCol="0">
+            <a:spAutoFit/>
+          </a:bodyPr>
+          <a:lstStyle/>
+          <a:p>
+            <a:r>
+              <a:rPr lang="en-CA" dirty="0" smtClean="0"/>
+              <a:t>3D virtual model of temporal bone anatomy used to identify structures for the new tool to reach.</a:t>
+            </a:r>
+          </a:p>
+        </p:txBody>
+      </p:sp>
+      <p:pic>
+        <p:nvPicPr>
+          <p:cNvPr id="34" name="Picture 5"/>
+          <p:cNvPicPr>
+            <a:picLocks noChangeAspect="1" noChangeArrowheads="1"/>
+          </p:cNvPicPr>
+          <p:nvPr/>
+        </p:nvPicPr>
+        <p:blipFill>
+          <a:blip r:embed="rId4" cstate="print"/>
+          <a:srcRect/>
+          <a:stretch>
+            <a:fillRect/>
+          </a:stretch>
+        </p:blipFill>
+        <p:spPr bwMode="auto">
+          <a:xfrm rot="5400000" flipH="1">
+            <a:off x="4081888" y="4999232"/>
+            <a:ext cx="701498" cy="1305450"/>
+          </a:xfrm>
+          <a:prstGeom prst="rect">
+            <a:avLst/>
+          </a:prstGeom>
+          <a:noFill/>
+          <a:ln w="9525">
+            <a:noFill/>
+            <a:miter lim="800000"/>
+            <a:headEnd/>
+            <a:tailEnd/>
+          </a:ln>
+        </p:spPr>
+      </p:pic>
+      <p:pic>
+        <p:nvPicPr>
+          <p:cNvPr id="35" name="Picture 5"/>
+          <p:cNvPicPr>
+            <a:picLocks noChangeAspect="1" noChangeArrowheads="1"/>
+          </p:cNvPicPr>
+          <p:nvPr/>
+        </p:nvPicPr>
+        <p:blipFill>
+          <a:blip r:embed="rId5" cstate="print"/>
+          <a:srcRect t="18117" r="8374" b="11196"/>
+          <a:stretch>
+            <a:fillRect/>
+          </a:stretch>
+        </p:blipFill>
+        <p:spPr bwMode="auto">
+          <a:xfrm>
+            <a:off x="1691680" y="4536000"/>
+            <a:ext cx="3690702" cy="2322000"/>
+          </a:xfrm>
+          <a:prstGeom prst="rect">
+            <a:avLst/>
+          </a:prstGeom>
+          <a:solidFill>
+            <a:schemeClr val="accent1">
+              <a:alpha val="61000"/>
+            </a:schemeClr>
+          </a:solidFill>
+          <a:ln w="9525">
+            <a:noFill/>
+            <a:miter lim="800000"/>
+            <a:headEnd/>
+            <a:tailEnd/>
+          </a:ln>
+        </p:spPr>
+      </p:pic>
     </p:spTree>
     <p:extLst>
       <p:ext uri="{BB962C8B-B14F-4D97-AF65-F5344CB8AC3E}">
-        <p14:creationId xmlns:p14="http://schemas.microsoft.com/office/powerpoint/2010/main" val="1554214310"/>
+        <p14:creationId xmlns:p14="http://schemas.microsoft.com/office/powerpoint/2010/main" xmlns="" val="1554214310"/>
       </p:ext>
     </p:extLst>
+  </p:cSld>
+  <p:clrMapOvr>
+    <a:masterClrMapping/>
+  </p:clrMapOvr>
+</p:sld>
+</file>
+
+<file path=ppt/slides/slide6.xml><?xml version="1.0" encoding="utf-8"?>
+<p:sld xmlns:a="http://schemas.openxmlformats.org/drawingml/2006/main" xmlns:r="http://schemas.openxmlformats.org/officeDocument/2006/relationships" xmlns:p="http://schemas.openxmlformats.org/presentationml/2006/main">
+  <p:cSld>
+    <p:spTree>
+      <p:nvGrpSpPr>
+        <p:cNvPr id="1" name=""/>
+        <p:cNvGrpSpPr/>
+        <p:nvPr/>
+      </p:nvGrpSpPr>
+      <p:grpSpPr>
+        <a:xfrm>
+          <a:off x="0" y="0"/>
+          <a:ext cx="0" cy="0"/>
+          <a:chOff x="0" y="0"/>
+          <a:chExt cx="0" cy="0"/>
+        </a:xfrm>
+      </p:grpSpPr>
+    </p:spTree>
   </p:cSld>
   <p:clrMapOvr>
     <a:masterClrMapping/>

--- a/progress report pictures.pptx
+++ b/progress report pictures.pptx
@@ -4,6 +4,9 @@
   <p:sldMasterIdLst>
     <p:sldMasterId id="2147483648" r:id="rId1"/>
   </p:sldMasterIdLst>
+  <p:notesMasterIdLst>
+    <p:notesMasterId r:id="rId8"/>
+  </p:notesMasterIdLst>
   <p:sldIdLst>
     <p:sldId id="256" r:id="rId2"/>
     <p:sldId id="259" r:id="rId3"/>
@@ -111,7 +114,7 @@
   </p:defaultTextStyle>
   <p:extLst>
     <p:ext uri="{EFAFB233-063F-42B5-8137-9DF3F51BA10A}">
-      <p15:sldGuideLst xmlns:p15="http://schemas.microsoft.com/office/powerpoint/2012/main" xmlns="">
+      <p15:sldGuideLst xmlns:p15="http://schemas.microsoft.com/office/powerpoint/2012/main">
         <p15:guide id="1" orient="horz" pos="2160">
           <p15:clr>
             <a:srgbClr val="A4A3A4"/>
@@ -126,6 +129,440 @@
     </p:ext>
   </p:extLst>
 </p:presentation>
+</file>
+
+<file path=ppt/notesMasters/notesMaster1.xml><?xml version="1.0" encoding="utf-8"?>
+<p:notesMaster xmlns:a="http://schemas.openxmlformats.org/drawingml/2006/main" xmlns:r="http://schemas.openxmlformats.org/officeDocument/2006/relationships" xmlns:p="http://schemas.openxmlformats.org/presentationml/2006/main">
+  <p:cSld>
+    <p:bg>
+      <p:bgRef idx="1001">
+        <a:schemeClr val="bg1"/>
+      </p:bgRef>
+    </p:bg>
+    <p:spTree>
+      <p:nvGrpSpPr>
+        <p:cNvPr id="1" name=""/>
+        <p:cNvGrpSpPr/>
+        <p:nvPr/>
+      </p:nvGrpSpPr>
+      <p:grpSpPr>
+        <a:xfrm>
+          <a:off x="0" y="0"/>
+          <a:ext cx="0" cy="0"/>
+          <a:chOff x="0" y="0"/>
+          <a:chExt cx="0" cy="0"/>
+        </a:xfrm>
+      </p:grpSpPr>
+      <p:sp>
+        <p:nvSpPr>
+          <p:cNvPr id="2" name="Header Placeholder 1"/>
+          <p:cNvSpPr>
+            <a:spLocks noGrp="1"/>
+          </p:cNvSpPr>
+          <p:nvPr>
+            <p:ph type="hdr" sz="quarter"/>
+          </p:nvPr>
+        </p:nvSpPr>
+        <p:spPr>
+          <a:xfrm>
+            <a:off x="0" y="0"/>
+            <a:ext cx="2971800" cy="458788"/>
+          </a:xfrm>
+          <a:prstGeom prst="rect">
+            <a:avLst/>
+          </a:prstGeom>
+        </p:spPr>
+        <p:txBody>
+          <a:bodyPr vert="horz" lIns="91440" tIns="45720" rIns="91440" bIns="45720" rtlCol="0"/>
+          <a:lstStyle>
+            <a:lvl1pPr algn="l">
+              <a:defRPr sz="1200"/>
+            </a:lvl1pPr>
+          </a:lstStyle>
+          <a:p>
+            <a:endParaRPr lang="en-US"/>
+          </a:p>
+        </p:txBody>
+      </p:sp>
+      <p:sp>
+        <p:nvSpPr>
+          <p:cNvPr id="3" name="Date Placeholder 2"/>
+          <p:cNvSpPr>
+            <a:spLocks noGrp="1"/>
+          </p:cNvSpPr>
+          <p:nvPr>
+            <p:ph type="dt" idx="1"/>
+          </p:nvPr>
+        </p:nvSpPr>
+        <p:spPr>
+          <a:xfrm>
+            <a:off x="3884613" y="0"/>
+            <a:ext cx="2971800" cy="458788"/>
+          </a:xfrm>
+          <a:prstGeom prst="rect">
+            <a:avLst/>
+          </a:prstGeom>
+        </p:spPr>
+        <p:txBody>
+          <a:bodyPr vert="horz" lIns="91440" tIns="45720" rIns="91440" bIns="45720" rtlCol="0"/>
+          <a:lstStyle>
+            <a:lvl1pPr algn="r">
+              <a:defRPr sz="1200"/>
+            </a:lvl1pPr>
+          </a:lstStyle>
+          <a:p>
+            <a:fld id="{AB5D820A-6FCF-4D4D-9C75-89FB51338117}" type="datetimeFigureOut">
+              <a:rPr lang="en-US" smtClean="0"/>
+              <a:t>9/12/17</a:t>
+            </a:fld>
+            <a:endParaRPr lang="en-US"/>
+          </a:p>
+        </p:txBody>
+      </p:sp>
+      <p:sp>
+        <p:nvSpPr>
+          <p:cNvPr id="4" name="Slide Image Placeholder 3"/>
+          <p:cNvSpPr>
+            <a:spLocks noGrp="1" noRot="1" noChangeAspect="1"/>
+          </p:cNvSpPr>
+          <p:nvPr>
+            <p:ph type="sldImg" idx="2"/>
+          </p:nvPr>
+        </p:nvSpPr>
+        <p:spPr>
+          <a:xfrm>
+            <a:off x="1371600" y="1143000"/>
+            <a:ext cx="4114800" cy="3086100"/>
+          </a:xfrm>
+          <a:prstGeom prst="rect">
+            <a:avLst/>
+          </a:prstGeom>
+          <a:noFill/>
+          <a:ln w="12700">
+            <a:solidFill>
+              <a:prstClr val="black"/>
+            </a:solidFill>
+          </a:ln>
+        </p:spPr>
+        <p:txBody>
+          <a:bodyPr vert="horz" lIns="91440" tIns="45720" rIns="91440" bIns="45720" rtlCol="0" anchor="ctr"/>
+          <a:lstStyle/>
+          <a:p>
+            <a:endParaRPr lang="en-US"/>
+          </a:p>
+        </p:txBody>
+      </p:sp>
+      <p:sp>
+        <p:nvSpPr>
+          <p:cNvPr id="5" name="Notes Placeholder 4"/>
+          <p:cNvSpPr>
+            <a:spLocks noGrp="1"/>
+          </p:cNvSpPr>
+          <p:nvPr>
+            <p:ph type="body" sz="quarter" idx="3"/>
+          </p:nvPr>
+        </p:nvSpPr>
+        <p:spPr>
+          <a:xfrm>
+            <a:off x="685800" y="4400550"/>
+            <a:ext cx="5486400" cy="3600450"/>
+          </a:xfrm>
+          <a:prstGeom prst="rect">
+            <a:avLst/>
+          </a:prstGeom>
+        </p:spPr>
+        <p:txBody>
+          <a:bodyPr vert="horz" lIns="91440" tIns="45720" rIns="91440" bIns="45720" rtlCol="0"/>
+          <a:lstStyle/>
+          <a:p>
+            <a:pPr lvl="0"/>
+            <a:r>
+              <a:rPr lang="en-CA" smtClean="0"/>
+              <a:t>Click to edit Master text styles</a:t>
+            </a:r>
+          </a:p>
+          <a:p>
+            <a:pPr lvl="1"/>
+            <a:r>
+              <a:rPr lang="en-CA" smtClean="0"/>
+              <a:t>Second level</a:t>
+            </a:r>
+          </a:p>
+          <a:p>
+            <a:pPr lvl="2"/>
+            <a:r>
+              <a:rPr lang="en-CA" smtClean="0"/>
+              <a:t>Third level</a:t>
+            </a:r>
+          </a:p>
+          <a:p>
+            <a:pPr lvl="3"/>
+            <a:r>
+              <a:rPr lang="en-CA" smtClean="0"/>
+              <a:t>Fourth level</a:t>
+            </a:r>
+          </a:p>
+          <a:p>
+            <a:pPr lvl="4"/>
+            <a:r>
+              <a:rPr lang="en-CA" smtClean="0"/>
+              <a:t>Fifth level</a:t>
+            </a:r>
+            <a:endParaRPr lang="en-US"/>
+          </a:p>
+        </p:txBody>
+      </p:sp>
+      <p:sp>
+        <p:nvSpPr>
+          <p:cNvPr id="6" name="Footer Placeholder 5"/>
+          <p:cNvSpPr>
+            <a:spLocks noGrp="1"/>
+          </p:cNvSpPr>
+          <p:nvPr>
+            <p:ph type="ftr" sz="quarter" idx="4"/>
+          </p:nvPr>
+        </p:nvSpPr>
+        <p:spPr>
+          <a:xfrm>
+            <a:off x="0" y="8685213"/>
+            <a:ext cx="2971800" cy="458787"/>
+          </a:xfrm>
+          <a:prstGeom prst="rect">
+            <a:avLst/>
+          </a:prstGeom>
+        </p:spPr>
+        <p:txBody>
+          <a:bodyPr vert="horz" lIns="91440" tIns="45720" rIns="91440" bIns="45720" rtlCol="0" anchor="b"/>
+          <a:lstStyle>
+            <a:lvl1pPr algn="l">
+              <a:defRPr sz="1200"/>
+            </a:lvl1pPr>
+          </a:lstStyle>
+          <a:p>
+            <a:endParaRPr lang="en-US"/>
+          </a:p>
+        </p:txBody>
+      </p:sp>
+      <p:sp>
+        <p:nvSpPr>
+          <p:cNvPr id="7" name="Slide Number Placeholder 6"/>
+          <p:cNvSpPr>
+            <a:spLocks noGrp="1"/>
+          </p:cNvSpPr>
+          <p:nvPr>
+            <p:ph type="sldNum" sz="quarter" idx="5"/>
+          </p:nvPr>
+        </p:nvSpPr>
+        <p:spPr>
+          <a:xfrm>
+            <a:off x="3884613" y="8685213"/>
+            <a:ext cx="2971800" cy="458787"/>
+          </a:xfrm>
+          <a:prstGeom prst="rect">
+            <a:avLst/>
+          </a:prstGeom>
+        </p:spPr>
+        <p:txBody>
+          <a:bodyPr vert="horz" lIns="91440" tIns="45720" rIns="91440" bIns="45720" rtlCol="0" anchor="b"/>
+          <a:lstStyle>
+            <a:lvl1pPr algn="r">
+              <a:defRPr sz="1200"/>
+            </a:lvl1pPr>
+          </a:lstStyle>
+          <a:p>
+            <a:fld id="{2A7D0683-F39D-994E-A889-3677EC59E00A}" type="slidenum">
+              <a:rPr lang="en-US" smtClean="0"/>
+              <a:t>‹#›</a:t>
+            </a:fld>
+            <a:endParaRPr lang="en-US"/>
+          </a:p>
+        </p:txBody>
+      </p:sp>
+    </p:spTree>
+    <p:extLst>
+      <p:ext uri="{BB962C8B-B14F-4D97-AF65-F5344CB8AC3E}">
+        <p14:creationId xmlns:p14="http://schemas.microsoft.com/office/powerpoint/2010/main" val="569280271"/>
+      </p:ext>
+    </p:extLst>
+  </p:cSld>
+  <p:clrMap bg1="lt1" tx1="dk1" bg2="lt2" tx2="dk2" accent1="accent1" accent2="accent2" accent3="accent3" accent4="accent4" accent5="accent5" accent6="accent6" hlink="hlink" folHlink="folHlink"/>
+  <p:notesStyle>
+    <a:lvl1pPr marL="0" algn="l" defTabSz="914400" rtl="0" eaLnBrk="1" latinLnBrk="0" hangingPunct="1">
+      <a:defRPr sz="1200" kern="1200">
+        <a:solidFill>
+          <a:schemeClr val="tx1"/>
+        </a:solidFill>
+        <a:latin typeface="+mn-lt"/>
+        <a:ea typeface="+mn-ea"/>
+        <a:cs typeface="+mn-cs"/>
+      </a:defRPr>
+    </a:lvl1pPr>
+    <a:lvl2pPr marL="457200" algn="l" defTabSz="914400" rtl="0" eaLnBrk="1" latinLnBrk="0" hangingPunct="1">
+      <a:defRPr sz="1200" kern="1200">
+        <a:solidFill>
+          <a:schemeClr val="tx1"/>
+        </a:solidFill>
+        <a:latin typeface="+mn-lt"/>
+        <a:ea typeface="+mn-ea"/>
+        <a:cs typeface="+mn-cs"/>
+      </a:defRPr>
+    </a:lvl2pPr>
+    <a:lvl3pPr marL="914400" algn="l" defTabSz="914400" rtl="0" eaLnBrk="1" latinLnBrk="0" hangingPunct="1">
+      <a:defRPr sz="1200" kern="1200">
+        <a:solidFill>
+          <a:schemeClr val="tx1"/>
+        </a:solidFill>
+        <a:latin typeface="+mn-lt"/>
+        <a:ea typeface="+mn-ea"/>
+        <a:cs typeface="+mn-cs"/>
+      </a:defRPr>
+    </a:lvl3pPr>
+    <a:lvl4pPr marL="1371600" algn="l" defTabSz="914400" rtl="0" eaLnBrk="1" latinLnBrk="0" hangingPunct="1">
+      <a:defRPr sz="1200" kern="1200">
+        <a:solidFill>
+          <a:schemeClr val="tx1"/>
+        </a:solidFill>
+        <a:latin typeface="+mn-lt"/>
+        <a:ea typeface="+mn-ea"/>
+        <a:cs typeface="+mn-cs"/>
+      </a:defRPr>
+    </a:lvl4pPr>
+    <a:lvl5pPr marL="1828800" algn="l" defTabSz="914400" rtl="0" eaLnBrk="1" latinLnBrk="0" hangingPunct="1">
+      <a:defRPr sz="1200" kern="1200">
+        <a:solidFill>
+          <a:schemeClr val="tx1"/>
+        </a:solidFill>
+        <a:latin typeface="+mn-lt"/>
+        <a:ea typeface="+mn-ea"/>
+        <a:cs typeface="+mn-cs"/>
+      </a:defRPr>
+    </a:lvl5pPr>
+    <a:lvl6pPr marL="2286000" algn="l" defTabSz="914400" rtl="0" eaLnBrk="1" latinLnBrk="0" hangingPunct="1">
+      <a:defRPr sz="1200" kern="1200">
+        <a:solidFill>
+          <a:schemeClr val="tx1"/>
+        </a:solidFill>
+        <a:latin typeface="+mn-lt"/>
+        <a:ea typeface="+mn-ea"/>
+        <a:cs typeface="+mn-cs"/>
+      </a:defRPr>
+    </a:lvl6pPr>
+    <a:lvl7pPr marL="2743200" algn="l" defTabSz="914400" rtl="0" eaLnBrk="1" latinLnBrk="0" hangingPunct="1">
+      <a:defRPr sz="1200" kern="1200">
+        <a:solidFill>
+          <a:schemeClr val="tx1"/>
+        </a:solidFill>
+        <a:latin typeface="+mn-lt"/>
+        <a:ea typeface="+mn-ea"/>
+        <a:cs typeface="+mn-cs"/>
+      </a:defRPr>
+    </a:lvl7pPr>
+    <a:lvl8pPr marL="3200400" algn="l" defTabSz="914400" rtl="0" eaLnBrk="1" latinLnBrk="0" hangingPunct="1">
+      <a:defRPr sz="1200" kern="1200">
+        <a:solidFill>
+          <a:schemeClr val="tx1"/>
+        </a:solidFill>
+        <a:latin typeface="+mn-lt"/>
+        <a:ea typeface="+mn-ea"/>
+        <a:cs typeface="+mn-cs"/>
+      </a:defRPr>
+    </a:lvl8pPr>
+    <a:lvl9pPr marL="3657600" algn="l" defTabSz="914400" rtl="0" eaLnBrk="1" latinLnBrk="0" hangingPunct="1">
+      <a:defRPr sz="1200" kern="1200">
+        <a:solidFill>
+          <a:schemeClr val="tx1"/>
+        </a:solidFill>
+        <a:latin typeface="+mn-lt"/>
+        <a:ea typeface="+mn-ea"/>
+        <a:cs typeface="+mn-cs"/>
+      </a:defRPr>
+    </a:lvl9pPr>
+  </p:notesStyle>
+</p:notesMaster>
+</file>
+
+<file path=ppt/notesSlides/notesSlide1.xml><?xml version="1.0" encoding="utf-8"?>
+<p:notes xmlns:a="http://schemas.openxmlformats.org/drawingml/2006/main" xmlns:r="http://schemas.openxmlformats.org/officeDocument/2006/relationships" xmlns:p="http://schemas.openxmlformats.org/presentationml/2006/main">
+  <p:cSld>
+    <p:spTree>
+      <p:nvGrpSpPr>
+        <p:cNvPr id="1" name=""/>
+        <p:cNvGrpSpPr/>
+        <p:nvPr/>
+      </p:nvGrpSpPr>
+      <p:grpSpPr>
+        <a:xfrm>
+          <a:off x="0" y="0"/>
+          <a:ext cx="0" cy="0"/>
+          <a:chOff x="0" y="0"/>
+          <a:chExt cx="0" cy="0"/>
+        </a:xfrm>
+      </p:grpSpPr>
+      <p:sp>
+        <p:nvSpPr>
+          <p:cNvPr id="2" name="Slide Image Placeholder 1"/>
+          <p:cNvSpPr>
+            <a:spLocks noGrp="1" noRot="1" noChangeAspect="1"/>
+          </p:cNvSpPr>
+          <p:nvPr>
+            <p:ph type="sldImg"/>
+          </p:nvPr>
+        </p:nvSpPr>
+        <p:spPr/>
+      </p:sp>
+      <p:sp>
+        <p:nvSpPr>
+          <p:cNvPr id="3" name="Notes Placeholder 2"/>
+          <p:cNvSpPr>
+            <a:spLocks noGrp="1"/>
+          </p:cNvSpPr>
+          <p:nvPr>
+            <p:ph type="body" idx="1"/>
+          </p:nvPr>
+        </p:nvSpPr>
+        <p:spPr/>
+        <p:txBody>
+          <a:bodyPr/>
+          <a:lstStyle/>
+          <a:p>
+            <a:endParaRPr lang="en-US" dirty="0"/>
+          </a:p>
+        </p:txBody>
+      </p:sp>
+      <p:sp>
+        <p:nvSpPr>
+          <p:cNvPr id="4" name="Slide Number Placeholder 3"/>
+          <p:cNvSpPr>
+            <a:spLocks noGrp="1"/>
+          </p:cNvSpPr>
+          <p:nvPr>
+            <p:ph type="sldNum" sz="quarter" idx="10"/>
+          </p:nvPr>
+        </p:nvSpPr>
+        <p:spPr/>
+        <p:txBody>
+          <a:bodyPr/>
+          <a:lstStyle/>
+          <a:p>
+            <a:fld id="{2A7D0683-F39D-994E-A889-3677EC59E00A}" type="slidenum">
+              <a:rPr lang="en-US" smtClean="0"/>
+              <a:t>5</a:t>
+            </a:fld>
+            <a:endParaRPr lang="en-US"/>
+          </a:p>
+        </p:txBody>
+      </p:sp>
+    </p:spTree>
+    <p:extLst>
+      <p:ext uri="{BB962C8B-B14F-4D97-AF65-F5344CB8AC3E}">
+        <p14:creationId xmlns:p14="http://schemas.microsoft.com/office/powerpoint/2010/main" val="853867312"/>
+      </p:ext>
+    </p:extLst>
+  </p:cSld>
+  <p:clrMapOvr>
+    <a:masterClrMapping/>
+  </p:clrMapOvr>
+</p:notes>
 </file>
 
 <file path=ppt/slideLayouts/slideLayout1.xml><?xml version="1.0" encoding="utf-8"?>
@@ -3215,7 +3652,7 @@
             <a:blip r:embed="rId2" cstate="print">
               <a:extLst>
                 <a:ext uri="{28A0092B-C50C-407E-A947-70E740481C1C}">
-                  <a14:useLocalDpi xmlns:a14="http://schemas.microsoft.com/office/drawing/2010/main" xmlns="" val="0"/>
+                  <a14:useLocalDpi xmlns:a14="http://schemas.microsoft.com/office/drawing/2010/main" val="0"/>
                 </a:ext>
               </a:extLst>
             </a:blip>
@@ -3967,7 +4404,7 @@
           <a:blip r:embed="rId2" cstate="print">
             <a:extLst>
               <a:ext uri="{28A0092B-C50C-407E-A947-70E740481C1C}">
-                <a14:useLocalDpi xmlns:a14="http://schemas.microsoft.com/office/drawing/2010/main" xmlns="" val="0"/>
+                <a14:useLocalDpi xmlns:a14="http://schemas.microsoft.com/office/drawing/2010/main" val="0"/>
               </a:ext>
             </a:extLst>
           </a:blip>
@@ -4032,7 +4469,7 @@
             <p:nvPr/>
           </p:nvPicPr>
           <p:blipFill>
-            <a:blip r:embed="rId2" cstate="print"/>
+            <a:blip r:embed="rId3" cstate="print"/>
             <a:stretch>
               <a:fillRect/>
             </a:stretch>
@@ -4189,7 +4626,7 @@
             <p:nvPr/>
           </p:nvPicPr>
           <p:blipFill>
-            <a:blip r:embed="rId3" cstate="print"/>
+            <a:blip r:embed="rId4" cstate="print"/>
             <a:stretch>
               <a:fillRect/>
             </a:stretch>
@@ -4345,7 +4782,7 @@
         </p:nvSpPr>
         <p:spPr>
           <a:xfrm>
-            <a:off x="1043608" y="4365104"/>
+            <a:off x="1084083" y="4041637"/>
             <a:ext cx="6336704" cy="646331"/>
           </a:xfrm>
           <a:prstGeom prst="rect">
@@ -4368,76 +4805,66 @@
       </p:sp>
       <p:pic>
         <p:nvPicPr>
-          <p:cNvPr id="34" name="Picture 5"/>
+          <p:cNvPr id="2" name="Picture 1"/>
           <p:cNvPicPr>
-            <a:picLocks noChangeAspect="1" noChangeArrowheads="1"/>
+            <a:picLocks noChangeAspect="1"/>
           </p:cNvPicPr>
           <p:nvPr/>
         </p:nvPicPr>
-        <p:blipFill>
-          <a:blip r:embed="rId4" cstate="print"/>
-          <a:srcRect/>
-          <a:stretch>
-            <a:fillRect/>
-          </a:stretch>
+        <p:blipFill rotWithShape="1">
+          <a:blip r:embed="rId5" cstate="print">
+            <a:extLst>
+              <a:ext uri="{28A0092B-C50C-407E-A947-70E740481C1C}">
+                <a14:useLocalDpi xmlns:a14="http://schemas.microsoft.com/office/drawing/2010/main" val="0"/>
+              </a:ext>
+            </a:extLst>
+          </a:blip>
+          <a:srcRect l="20876" t="23302" r="986"/>
+          <a:stretch/>
         </p:blipFill>
-        <p:spPr bwMode="auto">
-          <a:xfrm rot="5400000" flipH="1">
-            <a:off x="4081888" y="4999232"/>
-            <a:ext cx="701498" cy="1305450"/>
+        <p:spPr>
+          <a:xfrm>
+            <a:off x="218391" y="4797152"/>
+            <a:ext cx="2625418" cy="1932792"/>
           </a:xfrm>
           <a:prstGeom prst="rect">
             <a:avLst/>
           </a:prstGeom>
-          <a:noFill/>
-          <a:ln w="9525">
-            <a:noFill/>
-            <a:miter lim="800000"/>
-            <a:headEnd/>
-            <a:tailEnd/>
-          </a:ln>
         </p:spPr>
       </p:pic>
       <p:pic>
         <p:nvPicPr>
-          <p:cNvPr id="35" name="Picture 5"/>
+          <p:cNvPr id="3" name="Picture 2"/>
           <p:cNvPicPr>
-            <a:picLocks noChangeAspect="1" noChangeArrowheads="1"/>
+            <a:picLocks noChangeAspect="1"/>
           </p:cNvPicPr>
           <p:nvPr/>
         </p:nvPicPr>
-        <p:blipFill>
-          <a:blip r:embed="rId5" cstate="print"/>
-          <a:srcRect t="18117" r="8374" b="11196"/>
-          <a:stretch>
-            <a:fillRect/>
-          </a:stretch>
+        <p:blipFill rotWithShape="1">
+          <a:blip r:embed="rId6" cstate="print">
+            <a:extLst>
+              <a:ext uri="{28A0092B-C50C-407E-A947-70E740481C1C}">
+                <a14:useLocalDpi xmlns:a14="http://schemas.microsoft.com/office/drawing/2010/main" val="0"/>
+              </a:ext>
+            </a:extLst>
+          </a:blip>
+          <a:srcRect l="30865" t="5715"/>
+          <a:stretch/>
         </p:blipFill>
-        <p:spPr bwMode="auto">
+        <p:spPr>
           <a:xfrm>
-            <a:off x="1691680" y="4536000"/>
-            <a:ext cx="3690702" cy="2322000"/>
+            <a:off x="4788024" y="4353960"/>
+            <a:ext cx="2322949" cy="2375984"/>
           </a:xfrm>
           <a:prstGeom prst="rect">
             <a:avLst/>
           </a:prstGeom>
-          <a:solidFill>
-            <a:schemeClr val="accent1">
-              <a:alpha val="61000"/>
-            </a:schemeClr>
-          </a:solidFill>
-          <a:ln w="9525">
-            <a:noFill/>
-            <a:miter lim="800000"/>
-            <a:headEnd/>
-            <a:tailEnd/>
-          </a:ln>
         </p:spPr>
       </p:pic>
     </p:spTree>
     <p:extLst>
       <p:ext uri="{BB962C8B-B14F-4D97-AF65-F5344CB8AC3E}">
-        <p14:creationId xmlns:p14="http://schemas.microsoft.com/office/powerpoint/2010/main" xmlns="" val="1554214310"/>
+        <p14:creationId xmlns:p14="http://schemas.microsoft.com/office/powerpoint/2010/main" val="1554214310"/>
       </p:ext>
     </p:extLst>
   </p:cSld>
@@ -4753,4 +5180,265 @@
   <a:objectDefaults/>
   <a:extraClrSchemeLst/>
 </a:theme>
+</file>
+
+<file path=ppt/theme/theme2.xml><?xml version="1.0" encoding="utf-8"?>
+<a:theme xmlns:a="http://schemas.openxmlformats.org/drawingml/2006/main" name="Office Theme">
+  <a:themeElements>
+    <a:clrScheme name="Office">
+      <a:dk1>
+        <a:sysClr val="windowText" lastClr="000000"/>
+      </a:dk1>
+      <a:lt1>
+        <a:sysClr val="window" lastClr="FFFFFF"/>
+      </a:lt1>
+      <a:dk2>
+        <a:srgbClr val="44546A"/>
+      </a:dk2>
+      <a:lt2>
+        <a:srgbClr val="E7E6E6"/>
+      </a:lt2>
+      <a:accent1>
+        <a:srgbClr val="5B9BD5"/>
+      </a:accent1>
+      <a:accent2>
+        <a:srgbClr val="ED7D31"/>
+      </a:accent2>
+      <a:accent3>
+        <a:srgbClr val="A5A5A5"/>
+      </a:accent3>
+      <a:accent4>
+        <a:srgbClr val="FFC000"/>
+      </a:accent4>
+      <a:accent5>
+        <a:srgbClr val="4472C4"/>
+      </a:accent5>
+      <a:accent6>
+        <a:srgbClr val="70AD47"/>
+      </a:accent6>
+      <a:hlink>
+        <a:srgbClr val="0563C1"/>
+      </a:hlink>
+      <a:folHlink>
+        <a:srgbClr val="954F72"/>
+      </a:folHlink>
+    </a:clrScheme>
+    <a:fontScheme name="Office">
+      <a:majorFont>
+        <a:latin typeface="Calibri Light" panose="020F0302020204030204"/>
+        <a:ea typeface=""/>
+        <a:cs typeface=""/>
+        <a:font script="Jpan" typeface="ＭＳ Ｐゴシック"/>
+        <a:font script="Hang" typeface="맑은 고딕"/>
+        <a:font script="Hans" typeface="宋体"/>
+        <a:font script="Hant" typeface="新細明體"/>
+        <a:font script="Arab" typeface="Times New Roman"/>
+        <a:font script="Hebr" typeface="Times New Roman"/>
+        <a:font script="Thai" typeface="Angsana New"/>
+        <a:font script="Ethi" typeface="Nyala"/>
+        <a:font script="Beng" typeface="Vrinda"/>
+        <a:font script="Gujr" typeface="Shruti"/>
+        <a:font script="Khmr" typeface="MoolBoran"/>
+        <a:font script="Knda" typeface="Tunga"/>
+        <a:font script="Guru" typeface="Raavi"/>
+        <a:font script="Cans" typeface="Euphemia"/>
+        <a:font script="Cher" typeface="Plantagenet Cherokee"/>
+        <a:font script="Yiii" typeface="Microsoft Yi Baiti"/>
+        <a:font script="Tibt" typeface="Microsoft Himalaya"/>
+        <a:font script="Thaa" typeface="MV Boli"/>
+        <a:font script="Deva" typeface="Mangal"/>
+        <a:font script="Telu" typeface="Gautami"/>
+        <a:font script="Taml" typeface="Latha"/>
+        <a:font script="Syrc" typeface="Estrangelo Edessa"/>
+        <a:font script="Orya" typeface="Kalinga"/>
+        <a:font script="Mlym" typeface="Kartika"/>
+        <a:font script="Laoo" typeface="DokChampa"/>
+        <a:font script="Sinh" typeface="Iskoola Pota"/>
+        <a:font script="Mong" typeface="Mongolian Baiti"/>
+        <a:font script="Viet" typeface="Times New Roman"/>
+        <a:font script="Uigh" typeface="Microsoft Uighur"/>
+        <a:font script="Geor" typeface="Sylfaen"/>
+      </a:majorFont>
+      <a:minorFont>
+        <a:latin typeface="Calibri" panose="020F0502020204030204"/>
+        <a:ea typeface=""/>
+        <a:cs typeface=""/>
+        <a:font script="Jpan" typeface="ＭＳ Ｐゴシック"/>
+        <a:font script="Hang" typeface="맑은 고딕"/>
+        <a:font script="Hans" typeface="宋体"/>
+        <a:font script="Hant" typeface="新細明體"/>
+        <a:font script="Arab" typeface="Arial"/>
+        <a:font script="Hebr" typeface="Arial"/>
+        <a:font script="Thai" typeface="Cordia New"/>
+        <a:font script="Ethi" typeface="Nyala"/>
+        <a:font script="Beng" typeface="Vrinda"/>
+        <a:font script="Gujr" typeface="Shruti"/>
+        <a:font script="Khmr" typeface="DaunPenh"/>
+        <a:font script="Knda" typeface="Tunga"/>
+        <a:font script="Guru" typeface="Raavi"/>
+        <a:font script="Cans" typeface="Euphemia"/>
+        <a:font script="Cher" typeface="Plantagenet Cherokee"/>
+        <a:font script="Yiii" typeface="Microsoft Yi Baiti"/>
+        <a:font script="Tibt" typeface="Microsoft Himalaya"/>
+        <a:font script="Thaa" typeface="MV Boli"/>
+        <a:font script="Deva" typeface="Mangal"/>
+        <a:font script="Telu" typeface="Gautami"/>
+        <a:font script="Taml" typeface="Latha"/>
+        <a:font script="Syrc" typeface="Estrangelo Edessa"/>
+        <a:font script="Orya" typeface="Kalinga"/>
+        <a:font script="Mlym" typeface="Kartika"/>
+        <a:font script="Laoo" typeface="DokChampa"/>
+        <a:font script="Sinh" typeface="Iskoola Pota"/>
+        <a:font script="Mong" typeface="Mongolian Baiti"/>
+        <a:font script="Viet" typeface="Arial"/>
+        <a:font script="Uigh" typeface="Microsoft Uighur"/>
+        <a:font script="Geor" typeface="Sylfaen"/>
+      </a:minorFont>
+    </a:fontScheme>
+    <a:fmtScheme name="Office">
+      <a:fillStyleLst>
+        <a:solidFill>
+          <a:schemeClr val="phClr"/>
+        </a:solidFill>
+        <a:gradFill rotWithShape="1">
+          <a:gsLst>
+            <a:gs pos="0">
+              <a:schemeClr val="phClr">
+                <a:lumMod val="110000"/>
+                <a:satMod val="105000"/>
+                <a:tint val="67000"/>
+              </a:schemeClr>
+            </a:gs>
+            <a:gs pos="50000">
+              <a:schemeClr val="phClr">
+                <a:lumMod val="105000"/>
+                <a:satMod val="103000"/>
+                <a:tint val="73000"/>
+              </a:schemeClr>
+            </a:gs>
+            <a:gs pos="100000">
+              <a:schemeClr val="phClr">
+                <a:lumMod val="105000"/>
+                <a:satMod val="109000"/>
+                <a:tint val="81000"/>
+              </a:schemeClr>
+            </a:gs>
+          </a:gsLst>
+          <a:lin ang="5400000" scaled="0"/>
+        </a:gradFill>
+        <a:gradFill rotWithShape="1">
+          <a:gsLst>
+            <a:gs pos="0">
+              <a:schemeClr val="phClr">
+                <a:satMod val="103000"/>
+                <a:lumMod val="102000"/>
+                <a:tint val="94000"/>
+              </a:schemeClr>
+            </a:gs>
+            <a:gs pos="50000">
+              <a:schemeClr val="phClr">
+                <a:satMod val="110000"/>
+                <a:lumMod val="100000"/>
+                <a:shade val="100000"/>
+              </a:schemeClr>
+            </a:gs>
+            <a:gs pos="100000">
+              <a:schemeClr val="phClr">
+                <a:lumMod val="99000"/>
+                <a:satMod val="120000"/>
+                <a:shade val="78000"/>
+              </a:schemeClr>
+            </a:gs>
+          </a:gsLst>
+          <a:lin ang="5400000" scaled="0"/>
+        </a:gradFill>
+      </a:fillStyleLst>
+      <a:lnStyleLst>
+        <a:ln w="6350" cap="flat" cmpd="sng" algn="ctr">
+          <a:solidFill>
+            <a:schemeClr val="phClr"/>
+          </a:solidFill>
+          <a:prstDash val="solid"/>
+          <a:miter lim="800000"/>
+        </a:ln>
+        <a:ln w="12700" cap="flat" cmpd="sng" algn="ctr">
+          <a:solidFill>
+            <a:schemeClr val="phClr"/>
+          </a:solidFill>
+          <a:prstDash val="solid"/>
+          <a:miter lim="800000"/>
+        </a:ln>
+        <a:ln w="19050" cap="flat" cmpd="sng" algn="ctr">
+          <a:solidFill>
+            <a:schemeClr val="phClr"/>
+          </a:solidFill>
+          <a:prstDash val="solid"/>
+          <a:miter lim="800000"/>
+        </a:ln>
+      </a:lnStyleLst>
+      <a:effectStyleLst>
+        <a:effectStyle>
+          <a:effectLst/>
+        </a:effectStyle>
+        <a:effectStyle>
+          <a:effectLst/>
+        </a:effectStyle>
+        <a:effectStyle>
+          <a:effectLst>
+            <a:outerShdw blurRad="57150" dist="19050" dir="5400000" algn="ctr" rotWithShape="0">
+              <a:srgbClr val="000000">
+                <a:alpha val="63000"/>
+              </a:srgbClr>
+            </a:outerShdw>
+          </a:effectLst>
+        </a:effectStyle>
+      </a:effectStyleLst>
+      <a:bgFillStyleLst>
+        <a:solidFill>
+          <a:schemeClr val="phClr"/>
+        </a:solidFill>
+        <a:solidFill>
+          <a:schemeClr val="phClr">
+            <a:tint val="95000"/>
+            <a:satMod val="170000"/>
+          </a:schemeClr>
+        </a:solidFill>
+        <a:gradFill rotWithShape="1">
+          <a:gsLst>
+            <a:gs pos="0">
+              <a:schemeClr val="phClr">
+                <a:tint val="93000"/>
+                <a:satMod val="150000"/>
+                <a:shade val="98000"/>
+                <a:lumMod val="102000"/>
+              </a:schemeClr>
+            </a:gs>
+            <a:gs pos="50000">
+              <a:schemeClr val="phClr">
+                <a:tint val="98000"/>
+                <a:satMod val="130000"/>
+                <a:shade val="90000"/>
+                <a:lumMod val="103000"/>
+              </a:schemeClr>
+            </a:gs>
+            <a:gs pos="100000">
+              <a:schemeClr val="phClr">
+                <a:shade val="63000"/>
+                <a:satMod val="120000"/>
+              </a:schemeClr>
+            </a:gs>
+          </a:gsLst>
+          <a:lin ang="5400000" scaled="0"/>
+        </a:gradFill>
+      </a:bgFillStyleLst>
+    </a:fmtScheme>
+  </a:themeElements>
+  <a:objectDefaults/>
+  <a:extraClrSchemeLst/>
+  <a:extLst>
+    <a:ext uri="{05A4C25C-085E-4340-85A3-A5531E510DB2}">
+      <thm15:themeFamily xmlns:thm15="http://schemas.microsoft.com/office/thememl/2012/main" name="Office Theme" id="{62F939B6-93AF-4DB8-9C6B-D6C7DFDC589F}" vid="{4A3C46E8-61CC-4603-A589-7422A47A8E4A}"/>
+    </a:ext>
+  </a:extLst>
+</a:theme>
 </file>